--- a/2-calidad/4-capacitaciones/Capacitaciones/CTO - Capacitacion Sistema de Tickets (Apertura Espacios).pptx
+++ b/2-calidad/4-capacitaciones/Capacitaciones/CTO - Capacitacion Sistema de Tickets (Apertura Espacios).pptx
@@ -583,7 +583,7 @@
           <a:p>
             <a:fld id="{B4EF350F-E890-4EE9-9AB1-5E1DE57FD185}" type="datetimeFigureOut">
               <a:rPr lang="es-ES" smtClean="0"/>
-              <a:t>25/04/2016</a:t>
+              <a:t>02/05/2016</a:t>
             </a:fld>
             <a:endParaRPr lang="es-ES"/>
           </a:p>
@@ -748,7 +748,7 @@
           <a:p>
             <a:fld id="{B4EF350F-E890-4EE9-9AB1-5E1DE57FD185}" type="datetimeFigureOut">
               <a:rPr lang="es-ES" smtClean="0"/>
-              <a:t>25/04/2016</a:t>
+              <a:t>02/05/2016</a:t>
             </a:fld>
             <a:endParaRPr lang="es-ES"/>
           </a:p>
@@ -923,7 +923,7 @@
           <a:p>
             <a:fld id="{B4EF350F-E890-4EE9-9AB1-5E1DE57FD185}" type="datetimeFigureOut">
               <a:rPr lang="es-ES" smtClean="0"/>
-              <a:t>25/04/2016</a:t>
+              <a:t>02/05/2016</a:t>
             </a:fld>
             <a:endParaRPr lang="es-ES"/>
           </a:p>
@@ -1088,7 +1088,7 @@
           <a:p>
             <a:fld id="{B4EF350F-E890-4EE9-9AB1-5E1DE57FD185}" type="datetimeFigureOut">
               <a:rPr lang="es-ES" smtClean="0"/>
-              <a:t>25/04/2016</a:t>
+              <a:t>02/05/2016</a:t>
             </a:fld>
             <a:endParaRPr lang="es-ES"/>
           </a:p>
@@ -1641,7 +1641,7 @@
           <a:p>
             <a:fld id="{B4EF350F-E890-4EE9-9AB1-5E1DE57FD185}" type="datetimeFigureOut">
               <a:rPr lang="es-ES" smtClean="0"/>
-              <a:t>25/04/2016</a:t>
+              <a:t>02/05/2016</a:t>
             </a:fld>
             <a:endParaRPr lang="es-ES"/>
           </a:p>
@@ -1901,7 +1901,7 @@
           <a:p>
             <a:fld id="{B4EF350F-E890-4EE9-9AB1-5E1DE57FD185}" type="datetimeFigureOut">
               <a:rPr lang="es-ES" smtClean="0"/>
-              <a:t>25/04/2016</a:t>
+              <a:t>02/05/2016</a:t>
             </a:fld>
             <a:endParaRPr lang="es-ES"/>
           </a:p>
@@ -2389,7 +2389,7 @@
           <a:p>
             <a:fld id="{B4EF350F-E890-4EE9-9AB1-5E1DE57FD185}" type="datetimeFigureOut">
               <a:rPr lang="es-ES" smtClean="0"/>
-              <a:t>25/04/2016</a:t>
+              <a:t>02/05/2016</a:t>
             </a:fld>
             <a:endParaRPr lang="es-ES"/>
           </a:p>
@@ -2502,7 +2502,7 @@
           <a:p>
             <a:fld id="{B4EF350F-E890-4EE9-9AB1-5E1DE57FD185}" type="datetimeFigureOut">
               <a:rPr lang="es-ES" smtClean="0"/>
-              <a:t>25/04/2016</a:t>
+              <a:t>02/05/2016</a:t>
             </a:fld>
             <a:endParaRPr lang="es-ES"/>
           </a:p>
@@ -2592,7 +2592,7 @@
           <a:p>
             <a:fld id="{B4EF350F-E890-4EE9-9AB1-5E1DE57FD185}" type="datetimeFigureOut">
               <a:rPr lang="es-ES" smtClean="0"/>
-              <a:t>25/04/2016</a:t>
+              <a:t>02/05/2016</a:t>
             </a:fld>
             <a:endParaRPr lang="es-ES"/>
           </a:p>
@@ -3022,7 +3022,7 @@
           <a:p>
             <a:fld id="{B4EF350F-E890-4EE9-9AB1-5E1DE57FD185}" type="datetimeFigureOut">
               <a:rPr lang="es-ES" smtClean="0"/>
-              <a:t>25/04/2016</a:t>
+              <a:t>02/05/2016</a:t>
             </a:fld>
             <a:endParaRPr lang="es-ES"/>
           </a:p>
@@ -3555,7 +3555,7 @@
           <a:p>
             <a:fld id="{B4EF350F-E890-4EE9-9AB1-5E1DE57FD185}" type="datetimeFigureOut">
               <a:rPr lang="es-ES" smtClean="0"/>
-              <a:t>25/04/2016</a:t>
+              <a:t>02/05/2016</a:t>
             </a:fld>
             <a:endParaRPr lang="es-ES"/>
           </a:p>
@@ -4395,7 +4395,7 @@
           <a:p>
             <a:fld id="{B4EF350F-E890-4EE9-9AB1-5E1DE57FD185}" type="datetimeFigureOut">
               <a:rPr lang="es-ES" smtClean="0"/>
-              <a:t>25/04/2016</a:t>
+              <a:t>02/05/2016</a:t>
             </a:fld>
             <a:endParaRPr lang="es-ES"/>
           </a:p>
@@ -4955,7 +4955,6 @@
               <a:rPr lang="es-ES" sz="2400" dirty="0" smtClean="0"/>
               <a:t>“Uso Sistema de Tickets”</a:t>
             </a:r>
-            <a:endParaRPr lang="es-ES" sz="2400" dirty="0" smtClean="0"/>
           </a:p>
           <a:p>
             <a:pPr marL="0" indent="0" algn="ctr">
@@ -4978,7 +4977,7 @@
         <p:spPr>
           <a:xfrm>
             <a:off x="6876256" y="6309320"/>
-            <a:ext cx="1443216" cy="369332"/>
+            <a:ext cx="1184299" cy="369332"/>
           </a:xfrm>
           <a:prstGeom prst="rect">
             <a:avLst/>
@@ -4991,10 +4990,6 @@
           </a:bodyPr>
           <a:lstStyle/>
           <a:p>
-            <a:r>
-              <a:rPr lang="es-ES" dirty="0" smtClean="0"/>
-              <a:t>27</a:t>
-            </a:r>
             <a:r>
               <a:rPr lang="es-ES" dirty="0" smtClean="0"/>
               <a:t>/04/2016</a:t>
@@ -5534,11 +5529,7 @@
           <a:p>
             <a:r>
               <a:rPr lang="es-ES" dirty="0" smtClean="0"/>
-              <a:t>27</a:t>
-            </a:r>
-            <a:r>
-              <a:rPr lang="es-ES" dirty="0" smtClean="0"/>
-              <a:t>/04/2016</a:t>
+              <a:t>27/04/2016</a:t>
             </a:r>
             <a:endParaRPr lang="es-ES" dirty="0"/>
           </a:p>
@@ -5594,7 +5585,7 @@
         <p:spPr/>
         <p:txBody>
           <a:bodyPr>
-            <a:normAutofit/>
+            <a:normAutofit lnSpcReduction="10000"/>
           </a:bodyPr>
           <a:lstStyle/>
           <a:p>
@@ -5639,9 +5630,33 @@
             </a:pPr>
             <a:r>
               <a:rPr lang="es-ES" sz="1800" b="0" dirty="0" smtClean="0"/>
-              <a:t>Lanzar a modo de prueba piloto el Procedimiento Especial de Apertura y Cierre de Espacios Físicos que implica el uso de la herramienta.</a:t>
-            </a:r>
+              <a:t>Lanzar a modo de prueba piloto el Procedimiento Especial de Apertura y Cierre de Espacios Físicos que implica el uso de la herramienta</a:t>
+            </a:r>
+            <a:r>
+              <a:rPr lang="es-ES" sz="1800" b="0" dirty="0" smtClean="0"/>
+              <a:t>.</a:t>
+            </a:r>
+          </a:p>
+          <a:p>
+            <a:pPr>
+              <a:buFont typeface="Wingdings" panose="05000000000000000000" pitchFamily="2" charset="2"/>
+              <a:buChar char="Ø"/>
+            </a:pPr>
             <a:endParaRPr lang="es-ES" sz="1800" b="0" dirty="0"/>
+          </a:p>
+          <a:p>
+            <a:pPr marL="0" indent="0"/>
+            <a:r>
+              <a:rPr lang="es-ES" sz="1800" dirty="0" smtClean="0">
+                <a:latin typeface="Gisha" panose="020B0502040204020203" pitchFamily="34" charset="-79"/>
+                <a:cs typeface="Gisha" panose="020B0502040204020203" pitchFamily="34" charset="-79"/>
+              </a:rPr>
+              <a:t>¡ VEAMOS LA DEMO !</a:t>
+            </a:r>
+            <a:endParaRPr lang="es-ES" sz="1800" dirty="0">
+              <a:latin typeface="Gisha" panose="020B0502040204020203" pitchFamily="34" charset="-79"/>
+              <a:cs typeface="Gisha" panose="020B0502040204020203" pitchFamily="34" charset="-79"/>
+            </a:endParaRPr>
           </a:p>
         </p:txBody>
       </p:sp>
@@ -5855,11 +5870,7 @@
           <a:p>
             <a:r>
               <a:rPr lang="es-ES" dirty="0" smtClean="0"/>
-              <a:t>27</a:t>
-            </a:r>
-            <a:r>
-              <a:rPr lang="es-ES" dirty="0" smtClean="0"/>
-              <a:t>/04/2016</a:t>
+              <a:t>27/04/2016</a:t>
             </a:r>
             <a:endParaRPr lang="es-ES" dirty="0"/>
           </a:p>
@@ -6276,11 +6287,7 @@
           <a:p>
             <a:r>
               <a:rPr lang="es-ES" dirty="0" smtClean="0"/>
-              <a:t>27</a:t>
-            </a:r>
-            <a:r>
-              <a:rPr lang="es-ES" dirty="0" smtClean="0"/>
-              <a:t>/04/2016</a:t>
+              <a:t>27/04/2016</a:t>
             </a:r>
             <a:endParaRPr lang="es-ES" dirty="0"/>
           </a:p>
@@ -6809,11 +6816,7 @@
           <a:p>
             <a:r>
               <a:rPr lang="es-ES" dirty="0" smtClean="0"/>
-              <a:t>27</a:t>
-            </a:r>
-            <a:r>
-              <a:rPr lang="es-ES" dirty="0" smtClean="0"/>
-              <a:t>/04/2016</a:t>
+              <a:t>27/04/2016</a:t>
             </a:r>
             <a:endParaRPr lang="es-ES" dirty="0"/>
           </a:p>
@@ -7152,11 +7155,7 @@
           <a:p>
             <a:r>
               <a:rPr lang="es-ES" dirty="0" smtClean="0"/>
-              <a:t>27</a:t>
-            </a:r>
-            <a:r>
-              <a:rPr lang="es-ES" dirty="0" smtClean="0"/>
-              <a:t>/04/2016</a:t>
+              <a:t>27/04/2016</a:t>
             </a:r>
             <a:endParaRPr lang="es-ES" dirty="0"/>
           </a:p>

--- a/2-calidad/4-capacitaciones/Capacitaciones/CTO - Capacitacion Sistema de Tickets (Apertura Espacios).pptx
+++ b/2-calidad/4-capacitaciones/Capacitaciones/CTO - Capacitacion Sistema de Tickets (Apertura Espacios).pptx
@@ -583,7 +583,7 @@
           <a:p>
             <a:fld id="{B4EF350F-E890-4EE9-9AB1-5E1DE57FD185}" type="datetimeFigureOut">
               <a:rPr lang="es-ES" smtClean="0"/>
-              <a:t>02/05/2016</a:t>
+              <a:t>03/05/2016</a:t>
             </a:fld>
             <a:endParaRPr lang="es-ES"/>
           </a:p>
@@ -748,7 +748,7 @@
           <a:p>
             <a:fld id="{B4EF350F-E890-4EE9-9AB1-5E1DE57FD185}" type="datetimeFigureOut">
               <a:rPr lang="es-ES" smtClean="0"/>
-              <a:t>02/05/2016</a:t>
+              <a:t>03/05/2016</a:t>
             </a:fld>
             <a:endParaRPr lang="es-ES"/>
           </a:p>
@@ -923,7 +923,7 @@
           <a:p>
             <a:fld id="{B4EF350F-E890-4EE9-9AB1-5E1DE57FD185}" type="datetimeFigureOut">
               <a:rPr lang="es-ES" smtClean="0"/>
-              <a:t>02/05/2016</a:t>
+              <a:t>03/05/2016</a:t>
             </a:fld>
             <a:endParaRPr lang="es-ES"/>
           </a:p>
@@ -1088,7 +1088,7 @@
           <a:p>
             <a:fld id="{B4EF350F-E890-4EE9-9AB1-5E1DE57FD185}" type="datetimeFigureOut">
               <a:rPr lang="es-ES" smtClean="0"/>
-              <a:t>02/05/2016</a:t>
+              <a:t>03/05/2016</a:t>
             </a:fld>
             <a:endParaRPr lang="es-ES"/>
           </a:p>
@@ -1641,7 +1641,7 @@
           <a:p>
             <a:fld id="{B4EF350F-E890-4EE9-9AB1-5E1DE57FD185}" type="datetimeFigureOut">
               <a:rPr lang="es-ES" smtClean="0"/>
-              <a:t>02/05/2016</a:t>
+              <a:t>03/05/2016</a:t>
             </a:fld>
             <a:endParaRPr lang="es-ES"/>
           </a:p>
@@ -1901,7 +1901,7 @@
           <a:p>
             <a:fld id="{B4EF350F-E890-4EE9-9AB1-5E1DE57FD185}" type="datetimeFigureOut">
               <a:rPr lang="es-ES" smtClean="0"/>
-              <a:t>02/05/2016</a:t>
+              <a:t>03/05/2016</a:t>
             </a:fld>
             <a:endParaRPr lang="es-ES"/>
           </a:p>
@@ -2389,7 +2389,7 @@
           <a:p>
             <a:fld id="{B4EF350F-E890-4EE9-9AB1-5E1DE57FD185}" type="datetimeFigureOut">
               <a:rPr lang="es-ES" smtClean="0"/>
-              <a:t>02/05/2016</a:t>
+              <a:t>03/05/2016</a:t>
             </a:fld>
             <a:endParaRPr lang="es-ES"/>
           </a:p>
@@ -2502,7 +2502,7 @@
           <a:p>
             <a:fld id="{B4EF350F-E890-4EE9-9AB1-5E1DE57FD185}" type="datetimeFigureOut">
               <a:rPr lang="es-ES" smtClean="0"/>
-              <a:t>02/05/2016</a:t>
+              <a:t>03/05/2016</a:t>
             </a:fld>
             <a:endParaRPr lang="es-ES"/>
           </a:p>
@@ -2592,7 +2592,7 @@
           <a:p>
             <a:fld id="{B4EF350F-E890-4EE9-9AB1-5E1DE57FD185}" type="datetimeFigureOut">
               <a:rPr lang="es-ES" smtClean="0"/>
-              <a:t>02/05/2016</a:t>
+              <a:t>03/05/2016</a:t>
             </a:fld>
             <a:endParaRPr lang="es-ES"/>
           </a:p>
@@ -3022,7 +3022,7 @@
           <a:p>
             <a:fld id="{B4EF350F-E890-4EE9-9AB1-5E1DE57FD185}" type="datetimeFigureOut">
               <a:rPr lang="es-ES" smtClean="0"/>
-              <a:t>02/05/2016</a:t>
+              <a:t>03/05/2016</a:t>
             </a:fld>
             <a:endParaRPr lang="es-ES"/>
           </a:p>
@@ -3555,7 +3555,7 @@
           <a:p>
             <a:fld id="{B4EF350F-E890-4EE9-9AB1-5E1DE57FD185}" type="datetimeFigureOut">
               <a:rPr lang="es-ES" smtClean="0"/>
-              <a:t>02/05/2016</a:t>
+              <a:t>03/05/2016</a:t>
             </a:fld>
             <a:endParaRPr lang="es-ES"/>
           </a:p>
@@ -4395,7 +4395,7 @@
           <a:p>
             <a:fld id="{B4EF350F-E890-4EE9-9AB1-5E1DE57FD185}" type="datetimeFigureOut">
               <a:rPr lang="es-ES" smtClean="0"/>
-              <a:t>02/05/2016</a:t>
+              <a:t>03/05/2016</a:t>
             </a:fld>
             <a:endParaRPr lang="es-ES"/>
           </a:p>
@@ -5585,7 +5585,7 @@
         <p:spPr/>
         <p:txBody>
           <a:bodyPr>
-            <a:normAutofit lnSpcReduction="10000"/>
+            <a:normAutofit/>
           </a:bodyPr>
           <a:lstStyle/>
           <a:p>
@@ -5636,6 +5636,13 @@
               <a:rPr lang="es-ES" sz="1800" b="0" dirty="0" smtClean="0"/>
               <a:t>.</a:t>
             </a:r>
+          </a:p>
+          <a:p>
+            <a:pPr>
+              <a:buFont typeface="Wingdings" panose="05000000000000000000" pitchFamily="2" charset="2"/>
+              <a:buChar char="Ø"/>
+            </a:pPr>
+            <a:endParaRPr lang="es-ES" sz="1800" b="0" dirty="0" smtClean="0"/>
           </a:p>
           <a:p>
             <a:pPr>
@@ -5643,20 +5650,6 @@
               <a:buChar char="Ø"/>
             </a:pPr>
             <a:endParaRPr lang="es-ES" sz="1800" b="0" dirty="0"/>
-          </a:p>
-          <a:p>
-            <a:pPr marL="0" indent="0"/>
-            <a:r>
-              <a:rPr lang="es-ES" sz="1800" dirty="0" smtClean="0">
-                <a:latin typeface="Gisha" panose="020B0502040204020203" pitchFamily="34" charset="-79"/>
-                <a:cs typeface="Gisha" panose="020B0502040204020203" pitchFamily="34" charset="-79"/>
-              </a:rPr>
-              <a:t>¡ VEAMOS LA DEMO !</a:t>
-            </a:r>
-            <a:endParaRPr lang="es-ES" sz="1800" dirty="0">
-              <a:latin typeface="Gisha" panose="020B0502040204020203" pitchFamily="34" charset="-79"/>
-              <a:cs typeface="Gisha" panose="020B0502040204020203" pitchFamily="34" charset="-79"/>
-            </a:endParaRPr>
           </a:p>
         </p:txBody>
       </p:sp>
@@ -6090,6 +6083,37 @@
           <a:bodyPr/>
           <a:lstStyle/>
           <a:p>
+            <a:endParaRPr lang="es-AR" dirty="0" smtClean="0"/>
+          </a:p>
+          <a:p>
+            <a:endParaRPr lang="es-ES" dirty="0" smtClean="0"/>
+          </a:p>
+          <a:p>
+            <a:r>
+              <a:rPr lang="es-ES" dirty="0" smtClean="0"/>
+              <a:t>PROCEDIMIENTO </a:t>
+            </a:r>
+            <a:r>
+              <a:rPr lang="es-ES" dirty="0"/>
+              <a:t>ESPECIAL DE APERTURA Y CIERRE DE ESPACIOS</a:t>
+            </a:r>
+          </a:p>
+          <a:p>
+            <a:endParaRPr lang="es-AR" dirty="0"/>
+          </a:p>
+          <a:p>
+            <a:r>
+              <a:rPr lang="es-AR" dirty="0" smtClean="0"/>
+              <a:t>Objetivo</a:t>
+            </a:r>
+            <a:r>
+              <a:rPr lang="es-AR" dirty="0"/>
+              <a:t>: </a:t>
+            </a:r>
+            <a:r>
+              <a:rPr lang="es-AR" i="1" dirty="0"/>
+              <a:t>Normalizar la mecánica, los roles y las responsabilidades en la gestión de Cierre y apertura de los Espacios mediante el uso de Tickets</a:t>
+            </a:r>
             <a:endParaRPr lang="es-ES" dirty="0"/>
           </a:p>
         </p:txBody>
@@ -6140,7 +6164,7 @@
           <p:nvPr/>
         </p:nvPicPr>
         <p:blipFill>
-          <a:blip r:embed="rId2">
+          <a:blip r:embed="rId3">
             <a:extLst>
               <a:ext uri="{28A0092B-C50C-407E-A947-70E740481C1C}">
                 <a14:useLocalDpi xmlns:a14="http://schemas.microsoft.com/office/drawing/2010/main" val="0"/>
@@ -6293,25 +6317,63 @@
           </a:p>
         </p:txBody>
       </p:sp>
-      <p:sp>
-        <p:nvSpPr>
-          <p:cNvPr id="2" name="1 Marcador de contenido"/>
-          <p:cNvSpPr>
-            <a:spLocks noGrp="1"/>
-          </p:cNvSpPr>
+      <p:graphicFrame>
+        <p:nvGraphicFramePr>
+          <p:cNvPr id="3" name="2 Objeto"/>
+          <p:cNvGraphicFramePr>
+            <a:graphicFrameLocks noChangeAspect="1"/>
+          </p:cNvGraphicFramePr>
           <p:nvPr>
-            <p:ph idx="1"/>
+            <p:extLst>
+              <p:ext uri="{D42A27DB-BD31-4B8C-83A1-F6EECF244321}">
+                <p14:modId xmlns:p14="http://schemas.microsoft.com/office/powerpoint/2010/main" val="2067497812"/>
+              </p:ext>
+            </p:extLst>
           </p:nvPr>
-        </p:nvSpPr>
-        <p:spPr/>
-        <p:txBody>
-          <a:bodyPr/>
-          <a:lstStyle/>
-          <a:p>
-            <a:endParaRPr lang="es-ES"/>
-          </a:p>
-        </p:txBody>
-      </p:sp>
+        </p:nvGraphicFramePr>
+        <p:xfrm>
+          <a:off x="619944" y="1215898"/>
+          <a:ext cx="7963732" cy="5181024"/>
+        </p:xfrm>
+        <a:graphic>
+          <a:graphicData uri="http://schemas.openxmlformats.org/presentationml/2006/ole">
+            <mc:AlternateContent xmlns:mc="http://schemas.openxmlformats.org/markup-compatibility/2006">
+              <mc:Choice xmlns:v="urn:schemas-microsoft-com:vml" Requires="v">
+                <p:oleObj spid="_x0000_s2050" name="Documento" r:id="rId4" imgW="8386681" imgH="5455763" progId="Word.Document.12">
+                  <p:embed/>
+                </p:oleObj>
+              </mc:Choice>
+              <mc:Fallback>
+                <p:oleObj name="Documento" r:id="rId4" imgW="8386681" imgH="5455763" progId="Word.Document.12">
+                  <p:embed/>
+                  <p:pic>
+                    <p:nvPicPr>
+                      <p:cNvPr id="0" name=""/>
+                      <p:cNvPicPr/>
+                      <p:nvPr/>
+                    </p:nvPicPr>
+                    <p:blipFill>
+                      <a:blip r:embed="rId5"/>
+                      <a:stretch>
+                        <a:fillRect/>
+                      </a:stretch>
+                    </p:blipFill>
+                    <p:spPr>
+                      <a:xfrm>
+                        <a:off x="619944" y="1215898"/>
+                        <a:ext cx="7963732" cy="5181024"/>
+                      </a:xfrm>
+                      <a:prstGeom prst="rect">
+                        <a:avLst/>
+                      </a:prstGeom>
+                    </p:spPr>
+                  </p:pic>
+                </p:oleObj>
+              </mc:Fallback>
+            </mc:AlternateContent>
+          </a:graphicData>
+        </a:graphic>
+      </p:graphicFrame>
     </p:spTree>
     <p:extLst>
       <p:ext uri="{BB962C8B-B14F-4D97-AF65-F5344CB8AC3E}">
@@ -6481,6 +6543,95 @@
           </a:p>
         </p:txBody>
       </p:sp>
+      <p:sp>
+        <p:nvSpPr>
+          <p:cNvPr id="2" name="1 Rectángulo"/>
+          <p:cNvSpPr/>
+          <p:nvPr/>
+        </p:nvSpPr>
+        <p:spPr>
+          <a:xfrm>
+            <a:off x="2555777" y="2852936"/>
+            <a:ext cx="4094646" cy="461665"/>
+          </a:xfrm>
+          <a:prstGeom prst="rect">
+            <a:avLst/>
+          </a:prstGeom>
+        </p:spPr>
+        <p:txBody>
+          <a:bodyPr wrap="square">
+            <a:spAutoFit/>
+          </a:bodyPr>
+          <a:lstStyle/>
+          <a:p>
+            <a:r>
+              <a:rPr lang="es-ES" sz="2400" b="1" dirty="0">
+                <a:latin typeface="Gisha" panose="020B0502040204020203" pitchFamily="34" charset="-79"/>
+                <a:cs typeface="Gisha" panose="020B0502040204020203" pitchFamily="34" charset="-79"/>
+              </a:rPr>
+              <a:t>¡ VEAMOS LA DEMO !</a:t>
+            </a:r>
+            <a:endParaRPr lang="es-ES" sz="2400" b="1" dirty="0">
+              <a:latin typeface="Gisha" panose="020B0502040204020203" pitchFamily="34" charset="-79"/>
+              <a:cs typeface="Gisha" panose="020B0502040204020203" pitchFamily="34" charset="-79"/>
+            </a:endParaRPr>
+          </a:p>
+        </p:txBody>
+      </p:sp>
+      <p:pic>
+        <p:nvPicPr>
+          <p:cNvPr id="1026" name="Picture 2"/>
+          <p:cNvPicPr>
+            <a:picLocks noChangeAspect="1" noChangeArrowheads="1"/>
+          </p:cNvPicPr>
+          <p:nvPr/>
+        </p:nvPicPr>
+        <p:blipFill>
+          <a:blip r:embed="rId3">
+            <a:extLst>
+              <a:ext uri="{28A0092B-C50C-407E-A947-70E740481C1C}">
+                <a14:useLocalDpi xmlns:a14="http://schemas.microsoft.com/office/drawing/2010/main" val="0"/>
+              </a:ext>
+            </a:extLst>
+          </a:blip>
+          <a:srcRect/>
+          <a:stretch>
+            <a:fillRect/>
+          </a:stretch>
+        </p:blipFill>
+        <p:spPr bwMode="auto">
+          <a:xfrm>
+            <a:off x="5724128" y="2582019"/>
+            <a:ext cx="2143125" cy="2143125"/>
+          </a:xfrm>
+          <a:prstGeom prst="rect">
+            <a:avLst/>
+          </a:prstGeom>
+          <a:noFill/>
+          <a:ln>
+            <a:noFill/>
+          </a:ln>
+          <a:extLst>
+            <a:ext uri="{909E8E84-426E-40DD-AFC4-6F175D3DCCD1}">
+              <a14:hiddenFill xmlns:a14="http://schemas.microsoft.com/office/drawing/2010/main">
+                <a:solidFill>
+                  <a:schemeClr val="accent1"/>
+                </a:solidFill>
+              </a14:hiddenFill>
+            </a:ext>
+            <a:ext uri="{91240B29-F687-4F45-9708-019B960494DF}">
+              <a14:hiddenLine xmlns:a14="http://schemas.microsoft.com/office/drawing/2010/main" w="9525">
+                <a:solidFill>
+                  <a:schemeClr val="tx1"/>
+                </a:solidFill>
+                <a:miter lim="800000"/>
+                <a:headEnd/>
+                <a:tailEnd/>
+              </a14:hiddenLine>
+            </a:ext>
+          </a:extLst>
+        </p:spPr>
+      </p:pic>
     </p:spTree>
     <p:extLst>
       <p:ext uri="{BB962C8B-B14F-4D97-AF65-F5344CB8AC3E}">

--- a/2-calidad/4-capacitaciones/Capacitaciones/CTO - Capacitacion Sistema de Tickets (Apertura Espacios).pptx
+++ b/2-calidad/4-capacitaciones/Capacitaciones/CTO - Capacitacion Sistema de Tickets (Apertura Espacios).pptx
@@ -6,14 +6,16 @@
   </p:sldMasterIdLst>
   <p:sldIdLst>
     <p:sldId id="256" r:id="rId2"/>
-    <p:sldId id="257" r:id="rId3"/>
-    <p:sldId id="259" r:id="rId4"/>
-    <p:sldId id="258" r:id="rId5"/>
+    <p:sldId id="258" r:id="rId3"/>
+    <p:sldId id="257" r:id="rId4"/>
+    <p:sldId id="259" r:id="rId5"/>
     <p:sldId id="263" r:id="rId6"/>
     <p:sldId id="261" r:id="rId7"/>
-    <p:sldId id="262" r:id="rId8"/>
-    <p:sldId id="260" r:id="rId9"/>
-    <p:sldId id="264" r:id="rId10"/>
+    <p:sldId id="265" r:id="rId8"/>
+    <p:sldId id="266" r:id="rId9"/>
+    <p:sldId id="262" r:id="rId10"/>
+    <p:sldId id="260" r:id="rId11"/>
+    <p:sldId id="264" r:id="rId12"/>
   </p:sldIdLst>
   <p:sldSz cx="9144000" cy="6858000" type="screen4x3"/>
   <p:notesSz cx="6858000" cy="9144000"/>
@@ -583,7 +585,7 @@
           <a:p>
             <a:fld id="{B4EF350F-E890-4EE9-9AB1-5E1DE57FD185}" type="datetimeFigureOut">
               <a:rPr lang="es-ES" smtClean="0"/>
-              <a:t>03/05/2016</a:t>
+              <a:t>09/05/2016</a:t>
             </a:fld>
             <a:endParaRPr lang="es-ES"/>
           </a:p>
@@ -748,7 +750,7 @@
           <a:p>
             <a:fld id="{B4EF350F-E890-4EE9-9AB1-5E1DE57FD185}" type="datetimeFigureOut">
               <a:rPr lang="es-ES" smtClean="0"/>
-              <a:t>03/05/2016</a:t>
+              <a:t>09/05/2016</a:t>
             </a:fld>
             <a:endParaRPr lang="es-ES"/>
           </a:p>
@@ -923,7 +925,7 @@
           <a:p>
             <a:fld id="{B4EF350F-E890-4EE9-9AB1-5E1DE57FD185}" type="datetimeFigureOut">
               <a:rPr lang="es-ES" smtClean="0"/>
-              <a:t>03/05/2016</a:t>
+              <a:t>09/05/2016</a:t>
             </a:fld>
             <a:endParaRPr lang="es-ES"/>
           </a:p>
@@ -1088,7 +1090,7 @@
           <a:p>
             <a:fld id="{B4EF350F-E890-4EE9-9AB1-5E1DE57FD185}" type="datetimeFigureOut">
               <a:rPr lang="es-ES" smtClean="0"/>
-              <a:t>03/05/2016</a:t>
+              <a:t>09/05/2016</a:t>
             </a:fld>
             <a:endParaRPr lang="es-ES"/>
           </a:p>
@@ -1641,7 +1643,7 @@
           <a:p>
             <a:fld id="{B4EF350F-E890-4EE9-9AB1-5E1DE57FD185}" type="datetimeFigureOut">
               <a:rPr lang="es-ES" smtClean="0"/>
-              <a:t>03/05/2016</a:t>
+              <a:t>09/05/2016</a:t>
             </a:fld>
             <a:endParaRPr lang="es-ES"/>
           </a:p>
@@ -1901,7 +1903,7 @@
           <a:p>
             <a:fld id="{B4EF350F-E890-4EE9-9AB1-5E1DE57FD185}" type="datetimeFigureOut">
               <a:rPr lang="es-ES" smtClean="0"/>
-              <a:t>03/05/2016</a:t>
+              <a:t>09/05/2016</a:t>
             </a:fld>
             <a:endParaRPr lang="es-ES"/>
           </a:p>
@@ -2389,7 +2391,7 @@
           <a:p>
             <a:fld id="{B4EF350F-E890-4EE9-9AB1-5E1DE57FD185}" type="datetimeFigureOut">
               <a:rPr lang="es-ES" smtClean="0"/>
-              <a:t>03/05/2016</a:t>
+              <a:t>09/05/2016</a:t>
             </a:fld>
             <a:endParaRPr lang="es-ES"/>
           </a:p>
@@ -2502,7 +2504,7 @@
           <a:p>
             <a:fld id="{B4EF350F-E890-4EE9-9AB1-5E1DE57FD185}" type="datetimeFigureOut">
               <a:rPr lang="es-ES" smtClean="0"/>
-              <a:t>03/05/2016</a:t>
+              <a:t>09/05/2016</a:t>
             </a:fld>
             <a:endParaRPr lang="es-ES"/>
           </a:p>
@@ -2592,7 +2594,7 @@
           <a:p>
             <a:fld id="{B4EF350F-E890-4EE9-9AB1-5E1DE57FD185}" type="datetimeFigureOut">
               <a:rPr lang="es-ES" smtClean="0"/>
-              <a:t>03/05/2016</a:t>
+              <a:t>09/05/2016</a:t>
             </a:fld>
             <a:endParaRPr lang="es-ES"/>
           </a:p>
@@ -3022,7 +3024,7 @@
           <a:p>
             <a:fld id="{B4EF350F-E890-4EE9-9AB1-5E1DE57FD185}" type="datetimeFigureOut">
               <a:rPr lang="es-ES" smtClean="0"/>
-              <a:t>03/05/2016</a:t>
+              <a:t>09/05/2016</a:t>
             </a:fld>
             <a:endParaRPr lang="es-ES"/>
           </a:p>
@@ -3555,7 +3557,7 @@
           <a:p>
             <a:fld id="{B4EF350F-E890-4EE9-9AB1-5E1DE57FD185}" type="datetimeFigureOut">
               <a:rPr lang="es-ES" smtClean="0"/>
-              <a:t>03/05/2016</a:t>
+              <a:t>09/05/2016</a:t>
             </a:fld>
             <a:endParaRPr lang="es-ES"/>
           </a:p>
@@ -4395,7 +4397,7 @@
           <a:p>
             <a:fld id="{B4EF350F-E890-4EE9-9AB1-5E1DE57FD185}" type="datetimeFigureOut">
               <a:rPr lang="es-ES" smtClean="0"/>
-              <a:t>03/05/2016</a:t>
+              <a:t>09/05/2016</a:t>
             </a:fld>
             <a:endParaRPr lang="es-ES"/>
           </a:p>
@@ -4977,7 +4979,7 @@
         <p:spPr>
           <a:xfrm>
             <a:off x="6876256" y="6309320"/>
-            <a:ext cx="1184299" cy="369332"/>
+            <a:ext cx="1453603" cy="369332"/>
           </a:xfrm>
           <a:prstGeom prst="rect">
             <a:avLst/>
@@ -4992,7 +4994,7 @@
           <a:p>
             <a:r>
               <a:rPr lang="es-ES" dirty="0" smtClean="0"/>
-              <a:t>/04/2016</a:t>
+              <a:t>09/05/2016</a:t>
             </a:r>
             <a:endParaRPr lang="es-ES" dirty="0"/>
           </a:p>
@@ -5018,7 +5020,1029 @@
 </p:sld>
 </file>
 
+<file path=ppt/slides/slide10.xml><?xml version="1.0" encoding="utf-8"?>
+<p:sld xmlns:a="http://schemas.openxmlformats.org/drawingml/2006/main" xmlns:r="http://schemas.openxmlformats.org/officeDocument/2006/relationships" xmlns:p="http://schemas.openxmlformats.org/presentationml/2006/main">
+  <p:cSld>
+    <p:spTree>
+      <p:nvGrpSpPr>
+        <p:cNvPr id="1" name=""/>
+        <p:cNvGrpSpPr/>
+        <p:nvPr/>
+      </p:nvGrpSpPr>
+      <p:grpSpPr>
+        <a:xfrm>
+          <a:off x="0" y="0"/>
+          <a:ext cx="0" cy="0"/>
+          <a:chOff x="0" y="0"/>
+          <a:chExt cx="0" cy="0"/>
+        </a:xfrm>
+      </p:grpSpPr>
+      <p:sp>
+        <p:nvSpPr>
+          <p:cNvPr id="3" name="2 Marcador de contenido"/>
+          <p:cNvSpPr>
+            <a:spLocks noGrp="1"/>
+          </p:cNvSpPr>
+          <p:nvPr>
+            <p:ph idx="1"/>
+          </p:nvPr>
+        </p:nvSpPr>
+        <p:spPr/>
+        <p:txBody>
+          <a:bodyPr/>
+          <a:lstStyle/>
+          <a:p>
+            <a:endParaRPr lang="es-ES" dirty="0" smtClean="0"/>
+          </a:p>
+          <a:p>
+            <a:endParaRPr lang="es-ES" dirty="0"/>
+          </a:p>
+          <a:p>
+            <a:endParaRPr lang="es-ES" dirty="0" smtClean="0"/>
+          </a:p>
+          <a:p>
+            <a:endParaRPr lang="es-ES" dirty="0"/>
+          </a:p>
+        </p:txBody>
+      </p:sp>
+      <p:pic>
+        <p:nvPicPr>
+          <p:cNvPr id="4" name="Picture 3"/>
+          <p:cNvPicPr>
+            <a:picLocks noChangeAspect="1" noChangeArrowheads="1"/>
+          </p:cNvPicPr>
+          <p:nvPr/>
+        </p:nvPicPr>
+        <p:blipFill>
+          <a:blip r:embed="rId2">
+            <a:extLst>
+              <a:ext uri="{28A0092B-C50C-407E-A947-70E740481C1C}">
+                <a14:useLocalDpi xmlns:a14="http://schemas.microsoft.com/office/drawing/2010/main" val="0"/>
+              </a:ext>
+            </a:extLst>
+          </a:blip>
+          <a:srcRect/>
+          <a:stretch>
+            <a:fillRect/>
+          </a:stretch>
+        </p:blipFill>
+        <p:spPr bwMode="auto">
+          <a:xfrm>
+            <a:off x="619944" y="314350"/>
+            <a:ext cx="2676525" cy="1466850"/>
+          </a:xfrm>
+          <a:prstGeom prst="rect">
+            <a:avLst/>
+          </a:prstGeom>
+          <a:noFill/>
+          <a:ln>
+            <a:noFill/>
+          </a:ln>
+          <a:effectLst/>
+          <a:extLst>
+            <a:ext uri="{909E8E84-426E-40DD-AFC4-6F175D3DCCD1}">
+              <a14:hiddenFill xmlns:a14="http://schemas.microsoft.com/office/drawing/2010/main">
+                <a:solidFill>
+                  <a:schemeClr val="accent1"/>
+                </a:solidFill>
+              </a14:hiddenFill>
+            </a:ext>
+            <a:ext uri="{91240B29-F687-4F45-9708-019B960494DF}">
+              <a14:hiddenLine xmlns:a14="http://schemas.microsoft.com/office/drawing/2010/main" w="9525">
+                <a:solidFill>
+                  <a:schemeClr val="tx1"/>
+                </a:solidFill>
+                <a:miter lim="800000"/>
+                <a:headEnd/>
+                <a:tailEnd/>
+              </a14:hiddenLine>
+            </a:ext>
+            <a:ext uri="{AF507438-7753-43E0-B8FC-AC1667EBCBE1}">
+              <a14:hiddenEffects xmlns:a14="http://schemas.microsoft.com/office/drawing/2010/main">
+                <a:effectLst>
+                  <a:outerShdw dist="35921" dir="2700000" algn="ctr" rotWithShape="0">
+                    <a:schemeClr val="bg2"/>
+                  </a:outerShdw>
+                </a:effectLst>
+              </a14:hiddenEffects>
+            </a:ext>
+          </a:extLst>
+        </p:spPr>
+      </p:pic>
+      <p:sp>
+        <p:nvSpPr>
+          <p:cNvPr id="5" name="3 Título"/>
+          <p:cNvSpPr txBox="1">
+            <a:spLocks/>
+          </p:cNvSpPr>
+          <p:nvPr/>
+        </p:nvSpPr>
+        <p:spPr>
+          <a:xfrm>
+            <a:off x="609600" y="427038"/>
+            <a:ext cx="8229600" cy="1143000"/>
+          </a:xfrm>
+          <a:prstGeom prst="rect">
+            <a:avLst/>
+          </a:prstGeom>
+        </p:spPr>
+        <p:txBody>
+          <a:bodyPr vert="horz" lIns="91440" tIns="45720" rIns="91440" bIns="45720" rtlCol="0" anchor="ctr">
+            <a:normAutofit fontScale="82500" lnSpcReduction="20000"/>
+          </a:bodyPr>
+          <a:lstStyle>
+            <a:lvl1pPr algn="ctr" defTabSz="914400" rtl="0" eaLnBrk="1" latinLnBrk="0" hangingPunct="1">
+              <a:spcBef>
+                <a:spcPct val="0"/>
+              </a:spcBef>
+              <a:buNone/>
+              <a:defRPr sz="4400" kern="1200">
+                <a:solidFill>
+                  <a:schemeClr val="tx1"/>
+                </a:solidFill>
+                <a:latin typeface="+mj-lt"/>
+                <a:ea typeface="+mj-ea"/>
+                <a:cs typeface="+mj-cs"/>
+              </a:defRPr>
+            </a:lvl1pPr>
+          </a:lstStyle>
+          <a:p>
+            <a:r>
+              <a:rPr lang="es-ES" sz="1300" dirty="0" smtClean="0"/>
+              <a:t>       “2016 - Año del Bicentenario de la Declaración de la Independencia Nacional”</a:t>
+            </a:r>
+            <a:r>
+              <a:rPr lang="es-ES_tradnl" dirty="0" smtClean="0"/>
+              <a:t> </a:t>
+            </a:r>
+            <a:r>
+              <a:rPr lang="es-ES" dirty="0" smtClean="0"/>
+              <a:t/>
+            </a:r>
+            <a:br>
+              <a:rPr lang="es-ES" dirty="0" smtClean="0"/>
+            </a:br>
+            <a:r>
+              <a:rPr lang="es-ES" sz="1600" b="1" dirty="0" smtClean="0"/>
+              <a:t>Sistema Federal de Medios y Contenidos Públicos</a:t>
+            </a:r>
+            <a:r>
+              <a:rPr lang="es-ES" dirty="0" smtClean="0"/>
+              <a:t/>
+            </a:r>
+            <a:br>
+              <a:rPr lang="es-ES" dirty="0" smtClean="0"/>
+            </a:br>
+            <a:endParaRPr lang="es-ES" dirty="0"/>
+          </a:p>
+        </p:txBody>
+      </p:sp>
+      <p:sp>
+        <p:nvSpPr>
+          <p:cNvPr id="2" name="1 CuadroTexto"/>
+          <p:cNvSpPr txBox="1"/>
+          <p:nvPr/>
+        </p:nvSpPr>
+        <p:spPr>
+          <a:xfrm>
+            <a:off x="1259632" y="2708920"/>
+            <a:ext cx="6408712" cy="2769989"/>
+          </a:xfrm>
+          <a:prstGeom prst="rect">
+            <a:avLst/>
+          </a:prstGeom>
+          <a:noFill/>
+        </p:spPr>
+        <p:txBody>
+          <a:bodyPr wrap="square" rtlCol="0">
+            <a:spAutoFit/>
+          </a:bodyPr>
+          <a:lstStyle/>
+          <a:p>
+            <a:r>
+              <a:rPr lang="es-ES" sz="2000" b="1" dirty="0" smtClean="0"/>
+              <a:t>Espacio </a:t>
+            </a:r>
+            <a:r>
+              <a:rPr lang="es-ES" sz="2000" b="1" dirty="0" smtClean="0"/>
+              <a:t>para </a:t>
+            </a:r>
+          </a:p>
+          <a:p>
+            <a:r>
+              <a:rPr lang="es-ES" sz="2000" b="1" dirty="0" smtClean="0"/>
+              <a:t>Consultas ….</a:t>
+            </a:r>
+          </a:p>
+          <a:p>
+            <a:endParaRPr lang="es-ES" sz="2000" b="1" dirty="0" smtClean="0"/>
+          </a:p>
+          <a:p>
+            <a:endParaRPr lang="es-ES" sz="2000" b="1" dirty="0"/>
+          </a:p>
+          <a:p>
+            <a:endParaRPr lang="es-ES" sz="2000" b="1" dirty="0" smtClean="0"/>
+          </a:p>
+          <a:p>
+            <a:pPr algn="r"/>
+            <a:r>
+              <a:rPr lang="es-ES" sz="2000" b="1" dirty="0" smtClean="0"/>
+              <a:t>Y aclaraciones.</a:t>
+            </a:r>
+          </a:p>
+          <a:p>
+            <a:endParaRPr lang="es-ES" dirty="0"/>
+          </a:p>
+          <a:p>
+            <a:endParaRPr lang="es-ES" dirty="0" smtClean="0"/>
+          </a:p>
+          <a:p>
+            <a:endParaRPr lang="es-ES" dirty="0"/>
+          </a:p>
+        </p:txBody>
+      </p:sp>
+      <p:pic>
+        <p:nvPicPr>
+          <p:cNvPr id="2050" name="Picture 2"/>
+          <p:cNvPicPr>
+            <a:picLocks noChangeAspect="1" noChangeArrowheads="1"/>
+          </p:cNvPicPr>
+          <p:nvPr/>
+        </p:nvPicPr>
+        <p:blipFill>
+          <a:blip r:embed="rId3">
+            <a:extLst>
+              <a:ext uri="{28A0092B-C50C-407E-A947-70E740481C1C}">
+                <a14:useLocalDpi xmlns:a14="http://schemas.microsoft.com/office/drawing/2010/main" val="0"/>
+              </a:ext>
+            </a:extLst>
+          </a:blip>
+          <a:srcRect/>
+          <a:stretch>
+            <a:fillRect/>
+          </a:stretch>
+        </p:blipFill>
+        <p:spPr bwMode="auto">
+          <a:xfrm>
+            <a:off x="3614738" y="2233613"/>
+            <a:ext cx="1914525" cy="2390775"/>
+          </a:xfrm>
+          <a:prstGeom prst="rect">
+            <a:avLst/>
+          </a:prstGeom>
+          <a:noFill/>
+          <a:ln>
+            <a:noFill/>
+          </a:ln>
+          <a:extLst>
+            <a:ext uri="{909E8E84-426E-40DD-AFC4-6F175D3DCCD1}">
+              <a14:hiddenFill xmlns:a14="http://schemas.microsoft.com/office/drawing/2010/main">
+                <a:solidFill>
+                  <a:schemeClr val="accent1"/>
+                </a:solidFill>
+              </a14:hiddenFill>
+            </a:ext>
+            <a:ext uri="{91240B29-F687-4F45-9708-019B960494DF}">
+              <a14:hiddenLine xmlns:a14="http://schemas.microsoft.com/office/drawing/2010/main" w="9525">
+                <a:solidFill>
+                  <a:schemeClr val="tx1"/>
+                </a:solidFill>
+                <a:miter lim="800000"/>
+                <a:headEnd/>
+                <a:tailEnd/>
+              </a14:hiddenLine>
+            </a:ext>
+          </a:extLst>
+        </p:spPr>
+      </p:pic>
+      <p:sp>
+        <p:nvSpPr>
+          <p:cNvPr id="9" name="8 CuadroTexto"/>
+          <p:cNvSpPr txBox="1"/>
+          <p:nvPr/>
+        </p:nvSpPr>
+        <p:spPr>
+          <a:xfrm>
+            <a:off x="7593280" y="6453336"/>
+            <a:ext cx="1453603" cy="369332"/>
+          </a:xfrm>
+          <a:prstGeom prst="rect">
+            <a:avLst/>
+          </a:prstGeom>
+          <a:noFill/>
+        </p:spPr>
+        <p:txBody>
+          <a:bodyPr wrap="none" rtlCol="0">
+            <a:spAutoFit/>
+          </a:bodyPr>
+          <a:lstStyle/>
+          <a:p>
+            <a:r>
+              <a:rPr lang="es-ES" dirty="0" smtClean="0"/>
+              <a:t>09</a:t>
+            </a:r>
+            <a:r>
+              <a:rPr lang="es-ES" dirty="0" smtClean="0"/>
+              <a:t>/05/2016</a:t>
+            </a:r>
+            <a:endParaRPr lang="es-ES" dirty="0"/>
+          </a:p>
+        </p:txBody>
+      </p:sp>
+    </p:spTree>
+    <p:extLst>
+      <p:ext uri="{BB962C8B-B14F-4D97-AF65-F5344CB8AC3E}">
+        <p14:creationId xmlns:p14="http://schemas.microsoft.com/office/powerpoint/2010/main" val="3630947452"/>
+      </p:ext>
+    </p:extLst>
+  </p:cSld>
+  <p:clrMapOvr>
+    <a:masterClrMapping/>
+  </p:clrMapOvr>
+  <p:timing>
+    <p:tnLst>
+      <p:par>
+        <p:cTn id="1" dur="indefinite" restart="never" nodeType="tmRoot"/>
+      </p:par>
+    </p:tnLst>
+  </p:timing>
+</p:sld>
+</file>
+
+<file path=ppt/slides/slide11.xml><?xml version="1.0" encoding="utf-8"?>
+<p:sld xmlns:a="http://schemas.openxmlformats.org/drawingml/2006/main" xmlns:r="http://schemas.openxmlformats.org/officeDocument/2006/relationships" xmlns:p="http://schemas.openxmlformats.org/presentationml/2006/main">
+  <p:cSld>
+    <p:spTree>
+      <p:nvGrpSpPr>
+        <p:cNvPr id="1" name=""/>
+        <p:cNvGrpSpPr/>
+        <p:nvPr/>
+      </p:nvGrpSpPr>
+      <p:grpSpPr>
+        <a:xfrm>
+          <a:off x="0" y="0"/>
+          <a:ext cx="0" cy="0"/>
+          <a:chOff x="0" y="0"/>
+          <a:chExt cx="0" cy="0"/>
+        </a:xfrm>
+      </p:grpSpPr>
+      <p:sp>
+        <p:nvSpPr>
+          <p:cNvPr id="3" name="2 Marcador de contenido"/>
+          <p:cNvSpPr>
+            <a:spLocks noGrp="1"/>
+          </p:cNvSpPr>
+          <p:nvPr>
+            <p:ph idx="1"/>
+          </p:nvPr>
+        </p:nvSpPr>
+        <p:spPr/>
+        <p:txBody>
+          <a:bodyPr/>
+          <a:lstStyle/>
+          <a:p>
+            <a:endParaRPr lang="es-ES" dirty="0" smtClean="0"/>
+          </a:p>
+          <a:p>
+            <a:endParaRPr lang="es-ES" dirty="0"/>
+          </a:p>
+          <a:p>
+            <a:endParaRPr lang="es-ES" dirty="0" smtClean="0"/>
+          </a:p>
+          <a:p>
+            <a:endParaRPr lang="es-ES" dirty="0"/>
+          </a:p>
+        </p:txBody>
+      </p:sp>
+      <p:pic>
+        <p:nvPicPr>
+          <p:cNvPr id="4" name="Picture 3"/>
+          <p:cNvPicPr>
+            <a:picLocks noChangeAspect="1" noChangeArrowheads="1"/>
+          </p:cNvPicPr>
+          <p:nvPr/>
+        </p:nvPicPr>
+        <p:blipFill>
+          <a:blip r:embed="rId2">
+            <a:extLst>
+              <a:ext uri="{28A0092B-C50C-407E-A947-70E740481C1C}">
+                <a14:useLocalDpi xmlns:a14="http://schemas.microsoft.com/office/drawing/2010/main" val="0"/>
+              </a:ext>
+            </a:extLst>
+          </a:blip>
+          <a:srcRect/>
+          <a:stretch>
+            <a:fillRect/>
+          </a:stretch>
+        </p:blipFill>
+        <p:spPr bwMode="auto">
+          <a:xfrm>
+            <a:off x="619944" y="314350"/>
+            <a:ext cx="2676525" cy="1466850"/>
+          </a:xfrm>
+          <a:prstGeom prst="rect">
+            <a:avLst/>
+          </a:prstGeom>
+          <a:noFill/>
+          <a:ln>
+            <a:noFill/>
+          </a:ln>
+          <a:effectLst/>
+          <a:extLst>
+            <a:ext uri="{909E8E84-426E-40DD-AFC4-6F175D3DCCD1}">
+              <a14:hiddenFill xmlns:a14="http://schemas.microsoft.com/office/drawing/2010/main">
+                <a:solidFill>
+                  <a:schemeClr val="accent1"/>
+                </a:solidFill>
+              </a14:hiddenFill>
+            </a:ext>
+            <a:ext uri="{91240B29-F687-4F45-9708-019B960494DF}">
+              <a14:hiddenLine xmlns:a14="http://schemas.microsoft.com/office/drawing/2010/main" w="9525">
+                <a:solidFill>
+                  <a:schemeClr val="tx1"/>
+                </a:solidFill>
+                <a:miter lim="800000"/>
+                <a:headEnd/>
+                <a:tailEnd/>
+              </a14:hiddenLine>
+            </a:ext>
+            <a:ext uri="{AF507438-7753-43E0-B8FC-AC1667EBCBE1}">
+              <a14:hiddenEffects xmlns:a14="http://schemas.microsoft.com/office/drawing/2010/main">
+                <a:effectLst>
+                  <a:outerShdw dist="35921" dir="2700000" algn="ctr" rotWithShape="0">
+                    <a:schemeClr val="bg2"/>
+                  </a:outerShdw>
+                </a:effectLst>
+              </a14:hiddenEffects>
+            </a:ext>
+          </a:extLst>
+        </p:spPr>
+      </p:pic>
+      <p:sp>
+        <p:nvSpPr>
+          <p:cNvPr id="5" name="3 Título"/>
+          <p:cNvSpPr txBox="1">
+            <a:spLocks/>
+          </p:cNvSpPr>
+          <p:nvPr/>
+        </p:nvSpPr>
+        <p:spPr>
+          <a:xfrm>
+            <a:off x="609600" y="427038"/>
+            <a:ext cx="8229600" cy="1143000"/>
+          </a:xfrm>
+          <a:prstGeom prst="rect">
+            <a:avLst/>
+          </a:prstGeom>
+        </p:spPr>
+        <p:txBody>
+          <a:bodyPr vert="horz" lIns="91440" tIns="45720" rIns="91440" bIns="45720" rtlCol="0" anchor="ctr">
+            <a:normAutofit fontScale="82500" lnSpcReduction="20000"/>
+          </a:bodyPr>
+          <a:lstStyle>
+            <a:lvl1pPr algn="ctr" defTabSz="914400" rtl="0" eaLnBrk="1" latinLnBrk="0" hangingPunct="1">
+              <a:spcBef>
+                <a:spcPct val="0"/>
+              </a:spcBef>
+              <a:buNone/>
+              <a:defRPr sz="4400" kern="1200">
+                <a:solidFill>
+                  <a:schemeClr val="tx1"/>
+                </a:solidFill>
+                <a:latin typeface="+mj-lt"/>
+                <a:ea typeface="+mj-ea"/>
+                <a:cs typeface="+mj-cs"/>
+              </a:defRPr>
+            </a:lvl1pPr>
+          </a:lstStyle>
+          <a:p>
+            <a:r>
+              <a:rPr lang="es-ES" sz="1300" dirty="0" smtClean="0"/>
+              <a:t>       “2016 - Año del Bicentenario de la Declaración de la Independencia Nacional”</a:t>
+            </a:r>
+            <a:r>
+              <a:rPr lang="es-ES_tradnl" dirty="0" smtClean="0"/>
+              <a:t> </a:t>
+            </a:r>
+            <a:r>
+              <a:rPr lang="es-ES" dirty="0" smtClean="0"/>
+              <a:t/>
+            </a:r>
+            <a:br>
+              <a:rPr lang="es-ES" dirty="0" smtClean="0"/>
+            </a:br>
+            <a:r>
+              <a:rPr lang="es-ES" sz="1600" b="1" dirty="0" smtClean="0"/>
+              <a:t>Sistema Federal de Medios y Contenidos Públicos</a:t>
+            </a:r>
+            <a:r>
+              <a:rPr lang="es-ES" dirty="0" smtClean="0"/>
+              <a:t/>
+            </a:r>
+            <a:br>
+              <a:rPr lang="es-ES" dirty="0" smtClean="0"/>
+            </a:br>
+            <a:endParaRPr lang="es-ES" dirty="0"/>
+          </a:p>
+        </p:txBody>
+      </p:sp>
+      <p:sp>
+        <p:nvSpPr>
+          <p:cNvPr id="2" name="1 CuadroTexto"/>
+          <p:cNvSpPr txBox="1"/>
+          <p:nvPr/>
+        </p:nvSpPr>
+        <p:spPr>
+          <a:xfrm>
+            <a:off x="1367644" y="2708920"/>
+            <a:ext cx="6408712" cy="2462213"/>
+          </a:xfrm>
+          <a:prstGeom prst="rect">
+            <a:avLst/>
+          </a:prstGeom>
+          <a:noFill/>
+        </p:spPr>
+        <p:txBody>
+          <a:bodyPr wrap="square" rtlCol="0">
+            <a:spAutoFit/>
+          </a:bodyPr>
+          <a:lstStyle/>
+          <a:p>
+            <a:r>
+              <a:rPr lang="es-ES" sz="2000" b="1" dirty="0" smtClean="0"/>
+              <a:t>¡ Gracias …</a:t>
+            </a:r>
+          </a:p>
+          <a:p>
+            <a:endParaRPr lang="es-ES" sz="2000" b="1" dirty="0" smtClean="0"/>
+          </a:p>
+          <a:p>
+            <a:endParaRPr lang="es-ES" sz="2000" b="1" dirty="0"/>
+          </a:p>
+          <a:p>
+            <a:endParaRPr lang="es-ES" sz="2000" b="1" dirty="0" smtClean="0"/>
+          </a:p>
+          <a:p>
+            <a:pPr algn="r"/>
+            <a:r>
+              <a:rPr lang="es-ES" sz="2000" b="1" dirty="0"/>
+              <a:t>p</a:t>
+            </a:r>
+            <a:r>
+              <a:rPr lang="es-ES" sz="2000" b="1" dirty="0" smtClean="0"/>
+              <a:t>or participar !</a:t>
+            </a:r>
+          </a:p>
+          <a:p>
+            <a:endParaRPr lang="es-ES" dirty="0"/>
+          </a:p>
+          <a:p>
+            <a:endParaRPr lang="es-ES" dirty="0" smtClean="0"/>
+          </a:p>
+          <a:p>
+            <a:endParaRPr lang="es-ES" dirty="0"/>
+          </a:p>
+        </p:txBody>
+      </p:sp>
+      <p:pic>
+        <p:nvPicPr>
+          <p:cNvPr id="7170" name="Picture 2"/>
+          <p:cNvPicPr>
+            <a:picLocks noChangeAspect="1" noChangeArrowheads="1"/>
+          </p:cNvPicPr>
+          <p:nvPr/>
+        </p:nvPicPr>
+        <p:blipFill>
+          <a:blip r:embed="rId3">
+            <a:extLst>
+              <a:ext uri="{28A0092B-C50C-407E-A947-70E740481C1C}">
+                <a14:useLocalDpi xmlns:a14="http://schemas.microsoft.com/office/drawing/2010/main" val="0"/>
+              </a:ext>
+            </a:extLst>
+          </a:blip>
+          <a:srcRect/>
+          <a:stretch>
+            <a:fillRect/>
+          </a:stretch>
+        </p:blipFill>
+        <p:spPr bwMode="auto">
+          <a:xfrm>
+            <a:off x="3481388" y="2381250"/>
+            <a:ext cx="2181225" cy="2095500"/>
+          </a:xfrm>
+          <a:prstGeom prst="rect">
+            <a:avLst/>
+          </a:prstGeom>
+          <a:noFill/>
+          <a:ln>
+            <a:noFill/>
+          </a:ln>
+          <a:extLst>
+            <a:ext uri="{909E8E84-426E-40DD-AFC4-6F175D3DCCD1}">
+              <a14:hiddenFill xmlns:a14="http://schemas.microsoft.com/office/drawing/2010/main">
+                <a:solidFill>
+                  <a:schemeClr val="accent1"/>
+                </a:solidFill>
+              </a14:hiddenFill>
+            </a:ext>
+            <a:ext uri="{91240B29-F687-4F45-9708-019B960494DF}">
+              <a14:hiddenLine xmlns:a14="http://schemas.microsoft.com/office/drawing/2010/main" w="9525">
+                <a:solidFill>
+                  <a:schemeClr val="tx1"/>
+                </a:solidFill>
+                <a:miter lim="800000"/>
+                <a:headEnd/>
+                <a:tailEnd/>
+              </a14:hiddenLine>
+            </a:ext>
+          </a:extLst>
+        </p:spPr>
+      </p:pic>
+      <p:sp>
+        <p:nvSpPr>
+          <p:cNvPr id="9" name="8 CuadroTexto"/>
+          <p:cNvSpPr txBox="1"/>
+          <p:nvPr/>
+        </p:nvSpPr>
+        <p:spPr>
+          <a:xfrm>
+            <a:off x="7593280" y="6453336"/>
+            <a:ext cx="1453603" cy="369332"/>
+          </a:xfrm>
+          <a:prstGeom prst="rect">
+            <a:avLst/>
+          </a:prstGeom>
+          <a:noFill/>
+        </p:spPr>
+        <p:txBody>
+          <a:bodyPr wrap="none" rtlCol="0">
+            <a:spAutoFit/>
+          </a:bodyPr>
+          <a:lstStyle/>
+          <a:p>
+            <a:r>
+              <a:rPr lang="es-ES" dirty="0" smtClean="0"/>
+              <a:t>09</a:t>
+            </a:r>
+            <a:r>
+              <a:rPr lang="es-ES" dirty="0" smtClean="0"/>
+              <a:t>/05/2016</a:t>
+            </a:r>
+            <a:endParaRPr lang="es-ES" dirty="0"/>
+          </a:p>
+        </p:txBody>
+      </p:sp>
+    </p:spTree>
+    <p:extLst>
+      <p:ext uri="{BB962C8B-B14F-4D97-AF65-F5344CB8AC3E}">
+        <p14:creationId xmlns:p14="http://schemas.microsoft.com/office/powerpoint/2010/main" val="3122300828"/>
+      </p:ext>
+    </p:extLst>
+  </p:cSld>
+  <p:clrMapOvr>
+    <a:masterClrMapping/>
+  </p:clrMapOvr>
+  <p:timing>
+    <p:tnLst>
+      <p:par>
+        <p:cTn id="1" dur="indefinite" restart="never" nodeType="tmRoot"/>
+      </p:par>
+    </p:tnLst>
+  </p:timing>
+</p:sld>
+</file>
+
 <file path=ppt/slides/slide2.xml><?xml version="1.0" encoding="utf-8"?>
+<p:sld xmlns:a="http://schemas.openxmlformats.org/drawingml/2006/main" xmlns:r="http://schemas.openxmlformats.org/officeDocument/2006/relationships" xmlns:p="http://schemas.openxmlformats.org/presentationml/2006/main">
+  <p:cSld>
+    <p:spTree>
+      <p:nvGrpSpPr>
+        <p:cNvPr id="1" name=""/>
+        <p:cNvGrpSpPr/>
+        <p:nvPr/>
+      </p:nvGrpSpPr>
+      <p:grpSpPr>
+        <a:xfrm>
+          <a:off x="0" y="0"/>
+          <a:ext cx="0" cy="0"/>
+          <a:chOff x="0" y="0"/>
+          <a:chExt cx="0" cy="0"/>
+        </a:xfrm>
+      </p:grpSpPr>
+      <p:sp>
+        <p:nvSpPr>
+          <p:cNvPr id="3" name="2 Marcador de contenido"/>
+          <p:cNvSpPr>
+            <a:spLocks noGrp="1"/>
+          </p:cNvSpPr>
+          <p:nvPr>
+            <p:ph idx="1"/>
+          </p:nvPr>
+        </p:nvSpPr>
+        <p:spPr/>
+        <p:txBody>
+          <a:bodyPr>
+            <a:normAutofit/>
+          </a:bodyPr>
+          <a:lstStyle/>
+          <a:p>
+            <a:endParaRPr lang="es-ES" dirty="0" smtClean="0"/>
+          </a:p>
+          <a:p>
+            <a:endParaRPr lang="es-ES" dirty="0"/>
+          </a:p>
+          <a:p>
+            <a:r>
+              <a:rPr lang="es-ES" sz="1800" u="sng" dirty="0" smtClean="0"/>
+              <a:t>Objetivos  de esta  reunión:</a:t>
+            </a:r>
+          </a:p>
+          <a:p>
+            <a:endParaRPr lang="es-ES" sz="1800" b="0" dirty="0" smtClean="0"/>
+          </a:p>
+          <a:p>
+            <a:pPr>
+              <a:buFont typeface="Wingdings" panose="05000000000000000000" pitchFamily="2" charset="2"/>
+              <a:buChar char="Ø"/>
+            </a:pPr>
+            <a:r>
+              <a:rPr lang="es-ES" sz="1800" b="0" dirty="0" smtClean="0"/>
+              <a:t>Conocer el Proceso definido de roles y responsabilidades</a:t>
+            </a:r>
+          </a:p>
+          <a:p>
+            <a:pPr>
+              <a:buFont typeface="Wingdings" panose="05000000000000000000" pitchFamily="2" charset="2"/>
+              <a:buChar char="Ø"/>
+            </a:pPr>
+            <a:r>
+              <a:rPr lang="es-ES" sz="1800" b="0" dirty="0" smtClean="0"/>
+              <a:t>Conocer como funciona la herramienta de Solicitud de Tickets</a:t>
+            </a:r>
+          </a:p>
+          <a:p>
+            <a:pPr>
+              <a:buFont typeface="Wingdings" panose="05000000000000000000" pitchFamily="2" charset="2"/>
+              <a:buChar char="Ø"/>
+            </a:pPr>
+            <a:r>
+              <a:rPr lang="es-ES" sz="1800" b="0" dirty="0" smtClean="0"/>
+              <a:t>Lanzar a modo de prueba piloto el Procedimiento Especial de Apertura y Cierre de Espacios Físicos que implica el uso de la herramienta.</a:t>
+            </a:r>
+          </a:p>
+          <a:p>
+            <a:pPr>
+              <a:buFont typeface="Wingdings" panose="05000000000000000000" pitchFamily="2" charset="2"/>
+              <a:buChar char="Ø"/>
+            </a:pPr>
+            <a:endParaRPr lang="es-ES" sz="1800" b="0" dirty="0" smtClean="0"/>
+          </a:p>
+          <a:p>
+            <a:pPr>
+              <a:buFont typeface="Wingdings" panose="05000000000000000000" pitchFamily="2" charset="2"/>
+              <a:buChar char="Ø"/>
+            </a:pPr>
+            <a:endParaRPr lang="es-ES" sz="1800" b="0" dirty="0"/>
+          </a:p>
+        </p:txBody>
+      </p:sp>
+      <p:pic>
+        <p:nvPicPr>
+          <p:cNvPr id="4" name="Picture 3"/>
+          <p:cNvPicPr>
+            <a:picLocks noChangeAspect="1" noChangeArrowheads="1"/>
+          </p:cNvPicPr>
+          <p:nvPr/>
+        </p:nvPicPr>
+        <p:blipFill>
+          <a:blip r:embed="rId2">
+            <a:extLst>
+              <a:ext uri="{28A0092B-C50C-407E-A947-70E740481C1C}">
+                <a14:useLocalDpi xmlns:a14="http://schemas.microsoft.com/office/drawing/2010/main" val="0"/>
+              </a:ext>
+            </a:extLst>
+          </a:blip>
+          <a:srcRect/>
+          <a:stretch>
+            <a:fillRect/>
+          </a:stretch>
+        </p:blipFill>
+        <p:spPr bwMode="auto">
+          <a:xfrm>
+            <a:off x="619944" y="314350"/>
+            <a:ext cx="2676525" cy="1466850"/>
+          </a:xfrm>
+          <a:prstGeom prst="rect">
+            <a:avLst/>
+          </a:prstGeom>
+          <a:noFill/>
+          <a:ln>
+            <a:noFill/>
+          </a:ln>
+          <a:effectLst/>
+          <a:extLst>
+            <a:ext uri="{909E8E84-426E-40DD-AFC4-6F175D3DCCD1}">
+              <a14:hiddenFill xmlns:a14="http://schemas.microsoft.com/office/drawing/2010/main">
+                <a:solidFill>
+                  <a:schemeClr val="accent1"/>
+                </a:solidFill>
+              </a14:hiddenFill>
+            </a:ext>
+            <a:ext uri="{91240B29-F687-4F45-9708-019B960494DF}">
+              <a14:hiddenLine xmlns:a14="http://schemas.microsoft.com/office/drawing/2010/main" w="9525">
+                <a:solidFill>
+                  <a:schemeClr val="tx1"/>
+                </a:solidFill>
+                <a:miter lim="800000"/>
+                <a:headEnd/>
+                <a:tailEnd/>
+              </a14:hiddenLine>
+            </a:ext>
+            <a:ext uri="{AF507438-7753-43E0-B8FC-AC1667EBCBE1}">
+              <a14:hiddenEffects xmlns:a14="http://schemas.microsoft.com/office/drawing/2010/main">
+                <a:effectLst>
+                  <a:outerShdw dist="35921" dir="2700000" algn="ctr" rotWithShape="0">
+                    <a:schemeClr val="bg2"/>
+                  </a:outerShdw>
+                </a:effectLst>
+              </a14:hiddenEffects>
+            </a:ext>
+          </a:extLst>
+        </p:spPr>
+      </p:pic>
+      <p:sp>
+        <p:nvSpPr>
+          <p:cNvPr id="5" name="3 Título"/>
+          <p:cNvSpPr txBox="1">
+            <a:spLocks/>
+          </p:cNvSpPr>
+          <p:nvPr/>
+        </p:nvSpPr>
+        <p:spPr>
+          <a:xfrm>
+            <a:off x="609600" y="427038"/>
+            <a:ext cx="8229600" cy="1143000"/>
+          </a:xfrm>
+          <a:prstGeom prst="rect">
+            <a:avLst/>
+          </a:prstGeom>
+        </p:spPr>
+        <p:txBody>
+          <a:bodyPr vert="horz" lIns="91440" tIns="45720" rIns="91440" bIns="45720" rtlCol="0" anchor="ctr">
+            <a:normAutofit fontScale="82500" lnSpcReduction="20000"/>
+          </a:bodyPr>
+          <a:lstStyle>
+            <a:lvl1pPr algn="ctr" defTabSz="914400" rtl="0" eaLnBrk="1" latinLnBrk="0" hangingPunct="1">
+              <a:spcBef>
+                <a:spcPct val="0"/>
+              </a:spcBef>
+              <a:buNone/>
+              <a:defRPr sz="4400" kern="1200">
+                <a:solidFill>
+                  <a:schemeClr val="tx1"/>
+                </a:solidFill>
+                <a:latin typeface="+mj-lt"/>
+                <a:ea typeface="+mj-ea"/>
+                <a:cs typeface="+mj-cs"/>
+              </a:defRPr>
+            </a:lvl1pPr>
+          </a:lstStyle>
+          <a:p>
+            <a:r>
+              <a:rPr lang="es-ES" sz="1300" dirty="0" smtClean="0"/>
+              <a:t>       “2016 - Año del Bicentenario de la Declaración de la Independencia Nacional”</a:t>
+            </a:r>
+            <a:r>
+              <a:rPr lang="es-ES_tradnl" dirty="0" smtClean="0"/>
+              <a:t> </a:t>
+            </a:r>
+            <a:r>
+              <a:rPr lang="es-ES" dirty="0" smtClean="0"/>
+              <a:t/>
+            </a:r>
+            <a:br>
+              <a:rPr lang="es-ES" dirty="0" smtClean="0"/>
+            </a:br>
+            <a:r>
+              <a:rPr lang="es-ES" sz="1600" b="1" dirty="0" smtClean="0"/>
+              <a:t>Sistema Federal de Medios y Contenidos Públicos</a:t>
+            </a:r>
+            <a:r>
+              <a:rPr lang="es-ES" dirty="0" smtClean="0"/>
+              <a:t/>
+            </a:r>
+            <a:br>
+              <a:rPr lang="es-ES" dirty="0" smtClean="0"/>
+            </a:br>
+            <a:endParaRPr lang="es-ES" dirty="0"/>
+          </a:p>
+        </p:txBody>
+      </p:sp>
+      <p:pic>
+        <p:nvPicPr>
+          <p:cNvPr id="6" name="Picture 2"/>
+          <p:cNvPicPr>
+            <a:picLocks noChangeAspect="1" noChangeArrowheads="1"/>
+          </p:cNvPicPr>
+          <p:nvPr/>
+        </p:nvPicPr>
+        <p:blipFill>
+          <a:blip r:embed="rId3">
+            <a:extLst>
+              <a:ext uri="{28A0092B-C50C-407E-A947-70E740481C1C}">
+                <a14:useLocalDpi xmlns:a14="http://schemas.microsoft.com/office/drawing/2010/main" val="0"/>
+              </a:ext>
+            </a:extLst>
+          </a:blip>
+          <a:srcRect/>
+          <a:stretch>
+            <a:fillRect/>
+          </a:stretch>
+        </p:blipFill>
+        <p:spPr bwMode="auto">
+          <a:xfrm>
+            <a:off x="7574872" y="3645024"/>
+            <a:ext cx="1389616" cy="1296144"/>
+          </a:xfrm>
+          <a:prstGeom prst="rect">
+            <a:avLst/>
+          </a:prstGeom>
+          <a:noFill/>
+          <a:ln>
+            <a:noFill/>
+          </a:ln>
+          <a:extLst>
+            <a:ext uri="{909E8E84-426E-40DD-AFC4-6F175D3DCCD1}">
+              <a14:hiddenFill xmlns:a14="http://schemas.microsoft.com/office/drawing/2010/main">
+                <a:solidFill>
+                  <a:schemeClr val="accent1"/>
+                </a:solidFill>
+              </a14:hiddenFill>
+            </a:ext>
+            <a:ext uri="{91240B29-F687-4F45-9708-019B960494DF}">
+              <a14:hiddenLine xmlns:a14="http://schemas.microsoft.com/office/drawing/2010/main" w="9525">
+                <a:solidFill>
+                  <a:schemeClr val="tx1"/>
+                </a:solidFill>
+                <a:miter lim="800000"/>
+                <a:headEnd/>
+                <a:tailEnd/>
+              </a14:hiddenLine>
+            </a:ext>
+          </a:extLst>
+        </p:spPr>
+      </p:pic>
+      <p:sp>
+        <p:nvSpPr>
+          <p:cNvPr id="7" name="6 CuadroTexto"/>
+          <p:cNvSpPr txBox="1"/>
+          <p:nvPr/>
+        </p:nvSpPr>
+        <p:spPr>
+          <a:xfrm>
+            <a:off x="6876256" y="6309320"/>
+            <a:ext cx="1453603" cy="369332"/>
+          </a:xfrm>
+          <a:prstGeom prst="rect">
+            <a:avLst/>
+          </a:prstGeom>
+          <a:noFill/>
+        </p:spPr>
+        <p:txBody>
+          <a:bodyPr wrap="none" rtlCol="0">
+            <a:spAutoFit/>
+          </a:bodyPr>
+          <a:lstStyle/>
+          <a:p>
+            <a:r>
+              <a:rPr lang="es-ES" dirty="0" smtClean="0"/>
+              <a:t>09/05/2016</a:t>
+            </a:r>
+            <a:endParaRPr lang="es-ES" dirty="0"/>
+          </a:p>
+        </p:txBody>
+      </p:sp>
+    </p:spTree>
+    <p:extLst>
+      <p:ext uri="{BB962C8B-B14F-4D97-AF65-F5344CB8AC3E}">
+        <p14:creationId xmlns:p14="http://schemas.microsoft.com/office/powerpoint/2010/main" val="623887439"/>
+      </p:ext>
+    </p:extLst>
+  </p:cSld>
+  <p:clrMapOvr>
+    <a:masterClrMapping/>
+  </p:clrMapOvr>
+  <p:timing>
+    <p:tnLst>
+      <p:par>
+        <p:cTn id="1" dur="indefinite" restart="never" nodeType="tmRoot"/>
+      </p:par>
+    </p:tnLst>
+  </p:timing>
+</p:sld>
+</file>
+
+<file path=ppt/slides/slide3.xml><?xml version="1.0" encoding="utf-8"?>
 <p:sld xmlns:a="http://schemas.openxmlformats.org/drawingml/2006/main" xmlns:r="http://schemas.openxmlformats.org/officeDocument/2006/relationships" xmlns:p="http://schemas.openxmlformats.org/presentationml/2006/main">
   <p:cSld>
     <p:spTree>
@@ -5190,12 +6214,20 @@
           <a:lstStyle/>
           <a:p>
             <a:r>
+              <a:rPr lang="es-ES" b="1" dirty="0" smtClean="0"/>
+              <a:t>Atendiendo los Objetivo s Generales de Mesa </a:t>
+            </a:r>
+            <a:r>
               <a:rPr lang="es-ES" b="1" dirty="0"/>
-              <a:t>Objetivo Mesa Ayuda :</a:t>
+              <a:t>Ayuda :</a:t>
             </a:r>
             <a:endParaRPr lang="es-ES" b="1" dirty="0" smtClean="0"/>
           </a:p>
           <a:p>
+            <a:pPr marL="285750" indent="-285750">
+              <a:buFont typeface="Wingdings" panose="05000000000000000000" pitchFamily="2" charset="2"/>
+              <a:buChar char="§"/>
+            </a:pPr>
             <a:r>
               <a:rPr lang="es-AR" dirty="0"/>
               <a:t>Canalizar los pedidos y/o reclamos que llegan desde las distintas áreas del centro, a fin de dar una rápida respuesta o resolución a los mismos. Articulación Interna y </a:t>
@@ -5206,22 +6238,34 @@
             </a:r>
           </a:p>
           <a:p>
-            <a:endParaRPr lang="es-AR" dirty="0"/>
-          </a:p>
-          <a:p>
+            <a:pPr marL="285750" indent="-285750">
+              <a:buFont typeface="Wingdings" panose="05000000000000000000" pitchFamily="2" charset="2"/>
+              <a:buChar char="§"/>
+            </a:pPr>
             <a:r>
               <a:rPr lang="es-AR" dirty="0" smtClean="0"/>
-              <a:t>Centralizar, registrar pedidos, hacer seguimiento a los requerimientos de las diferentes áreas, cuantificar y medir performance, resultados, responsabilidades, no conformidades, etc. </a:t>
-            </a:r>
-          </a:p>
-          <a:p>
+              <a:t>Centralizar</a:t>
+            </a:r>
             <a:r>
               <a:rPr lang="es-AR" dirty="0" smtClean="0"/>
-              <a:t>= </a:t>
+              <a:t>, registrar pedidos, hacer seguimiento a los requerimientos de las diferentes áreas, cuantificar y medir performance, resultados, responsabilidades, no conformidades, etc. </a:t>
+            </a:r>
+          </a:p>
+          <a:p>
+            <a:endParaRPr lang="es-AR" dirty="0" smtClean="0"/>
+          </a:p>
+          <a:p>
+            <a:r>
+              <a:rPr lang="es-AR" dirty="0" smtClean="0"/>
+              <a:t>= Se propone : </a:t>
+            </a:r>
+            <a:r>
+              <a:rPr lang="es-AR" b="1" i="1" dirty="0" smtClean="0"/>
+              <a:t>REGISTRAR </a:t>
             </a:r>
             <a:r>
               <a:rPr lang="es-AR" b="1" i="1" dirty="0"/>
-              <a:t>REGISTRAR en el Sistema de Tickets DGE el 100% de los pedidos que reciba Mesa de Ayuda, diariamente </a:t>
+              <a:t>en el Sistema de Tickets DGE el 100% de los pedidos que reciba Mesa de Ayuda, diariamente </a:t>
             </a:r>
             <a:r>
               <a:rPr lang="es-AR" b="1" dirty="0"/>
@@ -5249,7 +6293,7 @@
         <p:spPr>
           <a:xfrm>
             <a:off x="6876256" y="6309320"/>
-            <a:ext cx="1443216" cy="369332"/>
+            <a:ext cx="1453603" cy="369332"/>
           </a:xfrm>
           <a:prstGeom prst="rect">
             <a:avLst/>
@@ -5264,7 +6308,7 @@
           <a:p>
             <a:r>
               <a:rPr lang="es-ES" dirty="0" smtClean="0"/>
-              <a:t>27/04/2016</a:t>
+              <a:t>09/05/2016</a:t>
             </a:r>
             <a:endParaRPr lang="es-ES" dirty="0"/>
           </a:p>
@@ -5290,7 +6334,7 @@
 </p:sld>
 </file>
 
-<file path=ppt/slides/slide3.xml><?xml version="1.0" encoding="utf-8"?>
+<file path=ppt/slides/slide4.xml><?xml version="1.0" encoding="utf-8"?>
 <p:sld xmlns:a="http://schemas.openxmlformats.org/drawingml/2006/main" xmlns:r="http://schemas.openxmlformats.org/officeDocument/2006/relationships" xmlns:p="http://schemas.openxmlformats.org/presentationml/2006/main">
   <p:cSld>
     <p:spTree>
@@ -5448,7 +6492,7 @@
         <p:spPr>
           <a:xfrm>
             <a:off x="323529" y="1781200"/>
-            <a:ext cx="8515672" cy="2062103"/>
+            <a:ext cx="8515672" cy="2800767"/>
           </a:xfrm>
           <a:prstGeom prst="rect">
             <a:avLst/>
@@ -5465,10 +6509,18 @@
           </a:p>
           <a:p>
             <a:r>
-              <a:rPr lang="es-ES" b="1" dirty="0" smtClean="0"/>
-              <a:t>Según el tipo de “Solicitud” que Mesa de Ayuda reciba, se podrá aplicar de forma “transversal” el Sistema de Tickets a todas las Áreas de la CTO .</a:t>
-            </a:r>
-            <a:endParaRPr lang="es-ES" b="1" dirty="0"/>
+              <a:rPr lang="es-ES" sz="2800" b="1" dirty="0" smtClean="0"/>
+              <a:t>Según el tipo de “Solicitud” que Mesa de Ayuda reciba, </a:t>
+            </a:r>
+            <a:r>
+              <a:rPr lang="es-ES" sz="2800" b="1" dirty="0" smtClean="0"/>
+              <a:t>podrá </a:t>
+            </a:r>
+            <a:r>
+              <a:rPr lang="es-ES" sz="2800" b="1" dirty="0" smtClean="0"/>
+              <a:t>aplicar de forma “transversal” el Sistema de Tickets a todas las Áreas de la CTO .</a:t>
+            </a:r>
+            <a:endParaRPr lang="es-ES" sz="2800" b="1" dirty="0"/>
           </a:p>
           <a:p>
             <a:endParaRPr lang="es-ES" b="1" dirty="0" smtClean="0"/>
@@ -5514,7 +6566,7 @@
         <p:spPr>
           <a:xfrm>
             <a:off x="6876256" y="6309320"/>
-            <a:ext cx="1443216" cy="369332"/>
+            <a:ext cx="1453603" cy="369332"/>
           </a:xfrm>
           <a:prstGeom prst="rect">
             <a:avLst/>
@@ -5529,7 +6581,7 @@
           <a:p>
             <a:r>
               <a:rPr lang="es-ES" dirty="0" smtClean="0"/>
-              <a:t>27/04/2016</a:t>
+              <a:t>09/05/2016</a:t>
             </a:r>
             <a:endParaRPr lang="es-ES" dirty="0"/>
           </a:p>
@@ -5539,340 +6591,6 @@
     <p:extLst>
       <p:ext uri="{BB962C8B-B14F-4D97-AF65-F5344CB8AC3E}">
         <p14:creationId xmlns:p14="http://schemas.microsoft.com/office/powerpoint/2010/main" val="1310076611"/>
-      </p:ext>
-    </p:extLst>
-  </p:cSld>
-  <p:clrMapOvr>
-    <a:masterClrMapping/>
-  </p:clrMapOvr>
-  <p:timing>
-    <p:tnLst>
-      <p:par>
-        <p:cTn id="1" dur="indefinite" restart="never" nodeType="tmRoot"/>
-      </p:par>
-    </p:tnLst>
-  </p:timing>
-</p:sld>
-</file>
-
-<file path=ppt/slides/slide4.xml><?xml version="1.0" encoding="utf-8"?>
-<p:sld xmlns:a="http://schemas.openxmlformats.org/drawingml/2006/main" xmlns:r="http://schemas.openxmlformats.org/officeDocument/2006/relationships" xmlns:p="http://schemas.openxmlformats.org/presentationml/2006/main">
-  <p:cSld>
-    <p:spTree>
-      <p:nvGrpSpPr>
-        <p:cNvPr id="1" name=""/>
-        <p:cNvGrpSpPr/>
-        <p:nvPr/>
-      </p:nvGrpSpPr>
-      <p:grpSpPr>
-        <a:xfrm>
-          <a:off x="0" y="0"/>
-          <a:ext cx="0" cy="0"/>
-          <a:chOff x="0" y="0"/>
-          <a:chExt cx="0" cy="0"/>
-        </a:xfrm>
-      </p:grpSpPr>
-      <p:sp>
-        <p:nvSpPr>
-          <p:cNvPr id="3" name="2 Marcador de contenido"/>
-          <p:cNvSpPr>
-            <a:spLocks noGrp="1"/>
-          </p:cNvSpPr>
-          <p:nvPr>
-            <p:ph idx="1"/>
-          </p:nvPr>
-        </p:nvSpPr>
-        <p:spPr/>
-        <p:txBody>
-          <a:bodyPr>
-            <a:normAutofit/>
-          </a:bodyPr>
-          <a:lstStyle/>
-          <a:p>
-            <a:endParaRPr lang="es-ES" dirty="0" smtClean="0"/>
-          </a:p>
-          <a:p>
-            <a:endParaRPr lang="es-ES" dirty="0"/>
-          </a:p>
-          <a:p>
-            <a:r>
-              <a:rPr lang="es-ES" sz="1800" u="sng" dirty="0" smtClean="0"/>
-              <a:t>Objetivos  de esta  reunión:</a:t>
-            </a:r>
-          </a:p>
-          <a:p>
-            <a:endParaRPr lang="es-ES" sz="1800" b="0" dirty="0" smtClean="0"/>
-          </a:p>
-          <a:p>
-            <a:pPr>
-              <a:buFont typeface="Wingdings" panose="05000000000000000000" pitchFamily="2" charset="2"/>
-              <a:buChar char="Ø"/>
-            </a:pPr>
-            <a:r>
-              <a:rPr lang="es-ES" sz="1800" b="0" dirty="0" smtClean="0"/>
-              <a:t>Conocer el Proceso definido de roles y responsabilidades</a:t>
-            </a:r>
-          </a:p>
-          <a:p>
-            <a:pPr>
-              <a:buFont typeface="Wingdings" panose="05000000000000000000" pitchFamily="2" charset="2"/>
-              <a:buChar char="Ø"/>
-            </a:pPr>
-            <a:r>
-              <a:rPr lang="es-ES" sz="1800" b="0" dirty="0" smtClean="0"/>
-              <a:t>Conocer como funciona la herramienta de Solicitud de Tickets</a:t>
-            </a:r>
-          </a:p>
-          <a:p>
-            <a:pPr>
-              <a:buFont typeface="Wingdings" panose="05000000000000000000" pitchFamily="2" charset="2"/>
-              <a:buChar char="Ø"/>
-            </a:pPr>
-            <a:r>
-              <a:rPr lang="es-ES" sz="1800" b="0" dirty="0" smtClean="0"/>
-              <a:t>Lanzar a modo de prueba piloto el Procedimiento Especial de Apertura y Cierre de Espacios Físicos que implica el uso de la herramienta</a:t>
-            </a:r>
-            <a:r>
-              <a:rPr lang="es-ES" sz="1800" b="0" dirty="0" smtClean="0"/>
-              <a:t>.</a:t>
-            </a:r>
-          </a:p>
-          <a:p>
-            <a:pPr>
-              <a:buFont typeface="Wingdings" panose="05000000000000000000" pitchFamily="2" charset="2"/>
-              <a:buChar char="Ø"/>
-            </a:pPr>
-            <a:endParaRPr lang="es-ES" sz="1800" b="0" dirty="0" smtClean="0"/>
-          </a:p>
-          <a:p>
-            <a:pPr>
-              <a:buFont typeface="Wingdings" panose="05000000000000000000" pitchFamily="2" charset="2"/>
-              <a:buChar char="Ø"/>
-            </a:pPr>
-            <a:endParaRPr lang="es-ES" sz="1800" b="0" dirty="0"/>
-          </a:p>
-        </p:txBody>
-      </p:sp>
-      <p:pic>
-        <p:nvPicPr>
-          <p:cNvPr id="4" name="Picture 3"/>
-          <p:cNvPicPr>
-            <a:picLocks noChangeAspect="1" noChangeArrowheads="1"/>
-          </p:cNvPicPr>
-          <p:nvPr/>
-        </p:nvPicPr>
-        <p:blipFill>
-          <a:blip r:embed="rId2">
-            <a:extLst>
-              <a:ext uri="{28A0092B-C50C-407E-A947-70E740481C1C}">
-                <a14:useLocalDpi xmlns:a14="http://schemas.microsoft.com/office/drawing/2010/main" val="0"/>
-              </a:ext>
-            </a:extLst>
-          </a:blip>
-          <a:srcRect/>
-          <a:stretch>
-            <a:fillRect/>
-          </a:stretch>
-        </p:blipFill>
-        <p:spPr bwMode="auto">
-          <a:xfrm>
-            <a:off x="619944" y="314350"/>
-            <a:ext cx="2676525" cy="1466850"/>
-          </a:xfrm>
-          <a:prstGeom prst="rect">
-            <a:avLst/>
-          </a:prstGeom>
-          <a:noFill/>
-          <a:ln>
-            <a:noFill/>
-          </a:ln>
-          <a:effectLst/>
-          <a:extLst>
-            <a:ext uri="{909E8E84-426E-40DD-AFC4-6F175D3DCCD1}">
-              <a14:hiddenFill xmlns:a14="http://schemas.microsoft.com/office/drawing/2010/main">
-                <a:solidFill>
-                  <a:schemeClr val="accent1"/>
-                </a:solidFill>
-              </a14:hiddenFill>
-            </a:ext>
-            <a:ext uri="{91240B29-F687-4F45-9708-019B960494DF}">
-              <a14:hiddenLine xmlns:a14="http://schemas.microsoft.com/office/drawing/2010/main" w="9525">
-                <a:solidFill>
-                  <a:schemeClr val="tx1"/>
-                </a:solidFill>
-                <a:miter lim="800000"/>
-                <a:headEnd/>
-                <a:tailEnd/>
-              </a14:hiddenLine>
-            </a:ext>
-            <a:ext uri="{AF507438-7753-43E0-B8FC-AC1667EBCBE1}">
-              <a14:hiddenEffects xmlns:a14="http://schemas.microsoft.com/office/drawing/2010/main">
-                <a:effectLst>
-                  <a:outerShdw dist="35921" dir="2700000" algn="ctr" rotWithShape="0">
-                    <a:schemeClr val="bg2"/>
-                  </a:outerShdw>
-                </a:effectLst>
-              </a14:hiddenEffects>
-            </a:ext>
-          </a:extLst>
-        </p:spPr>
-      </p:pic>
-      <p:sp>
-        <p:nvSpPr>
-          <p:cNvPr id="5" name="3 Título"/>
-          <p:cNvSpPr txBox="1">
-            <a:spLocks/>
-          </p:cNvSpPr>
-          <p:nvPr/>
-        </p:nvSpPr>
-        <p:spPr>
-          <a:xfrm>
-            <a:off x="609600" y="427038"/>
-            <a:ext cx="8229600" cy="1143000"/>
-          </a:xfrm>
-          <a:prstGeom prst="rect">
-            <a:avLst/>
-          </a:prstGeom>
-        </p:spPr>
-        <p:txBody>
-          <a:bodyPr vert="horz" lIns="91440" tIns="45720" rIns="91440" bIns="45720" rtlCol="0" anchor="ctr">
-            <a:normAutofit fontScale="82500" lnSpcReduction="20000"/>
-          </a:bodyPr>
-          <a:lstStyle>
-            <a:lvl1pPr algn="ctr" defTabSz="914400" rtl="0" eaLnBrk="1" latinLnBrk="0" hangingPunct="1">
-              <a:spcBef>
-                <a:spcPct val="0"/>
-              </a:spcBef>
-              <a:buNone/>
-              <a:defRPr sz="4400" kern="1200">
-                <a:solidFill>
-                  <a:schemeClr val="tx1"/>
-                </a:solidFill>
-                <a:latin typeface="+mj-lt"/>
-                <a:ea typeface="+mj-ea"/>
-                <a:cs typeface="+mj-cs"/>
-              </a:defRPr>
-            </a:lvl1pPr>
-          </a:lstStyle>
-          <a:p>
-            <a:r>
-              <a:rPr lang="es-ES" sz="1300" dirty="0" smtClean="0"/>
-              <a:t>       “2016 - Año del Bicentenario de la Declaración de la Independencia Nacional”</a:t>
-            </a:r>
-            <a:r>
-              <a:rPr lang="es-ES_tradnl" dirty="0" smtClean="0"/>
-              <a:t> </a:t>
-            </a:r>
-            <a:r>
-              <a:rPr lang="es-ES" dirty="0" smtClean="0"/>
-              <a:t/>
-            </a:r>
-            <a:br>
-              <a:rPr lang="es-ES" dirty="0" smtClean="0"/>
-            </a:br>
-            <a:r>
-              <a:rPr lang="es-ES" sz="1600" b="1" dirty="0" smtClean="0"/>
-              <a:t>Sistema Federal de Medios y Contenidos Públicos</a:t>
-            </a:r>
-            <a:r>
-              <a:rPr lang="es-ES" dirty="0" smtClean="0"/>
-              <a:t/>
-            </a:r>
-            <a:br>
-              <a:rPr lang="es-ES" dirty="0" smtClean="0"/>
-            </a:br>
-            <a:endParaRPr lang="es-ES" dirty="0"/>
-          </a:p>
-        </p:txBody>
-      </p:sp>
-      <p:pic>
-        <p:nvPicPr>
-          <p:cNvPr id="6" name="Picture 2"/>
-          <p:cNvPicPr>
-            <a:picLocks noChangeAspect="1" noChangeArrowheads="1"/>
-          </p:cNvPicPr>
-          <p:nvPr/>
-        </p:nvPicPr>
-        <p:blipFill>
-          <a:blip r:embed="rId3">
-            <a:extLst>
-              <a:ext uri="{28A0092B-C50C-407E-A947-70E740481C1C}">
-                <a14:useLocalDpi xmlns:a14="http://schemas.microsoft.com/office/drawing/2010/main" val="0"/>
-              </a:ext>
-            </a:extLst>
-          </a:blip>
-          <a:srcRect/>
-          <a:stretch>
-            <a:fillRect/>
-          </a:stretch>
-        </p:blipFill>
-        <p:spPr bwMode="auto">
-          <a:xfrm>
-            <a:off x="7574872" y="3645024"/>
-            <a:ext cx="1389616" cy="1296144"/>
-          </a:xfrm>
-          <a:prstGeom prst="rect">
-            <a:avLst/>
-          </a:prstGeom>
-          <a:noFill/>
-          <a:ln>
-            <a:noFill/>
-          </a:ln>
-          <a:extLst>
-            <a:ext uri="{909E8E84-426E-40DD-AFC4-6F175D3DCCD1}">
-              <a14:hiddenFill xmlns:a14="http://schemas.microsoft.com/office/drawing/2010/main">
-                <a:solidFill>
-                  <a:schemeClr val="accent1"/>
-                </a:solidFill>
-              </a14:hiddenFill>
-            </a:ext>
-            <a:ext uri="{91240B29-F687-4F45-9708-019B960494DF}">
-              <a14:hiddenLine xmlns:a14="http://schemas.microsoft.com/office/drawing/2010/main" w="9525">
-                <a:solidFill>
-                  <a:schemeClr val="tx1"/>
-                </a:solidFill>
-                <a:miter lim="800000"/>
-                <a:headEnd/>
-                <a:tailEnd/>
-              </a14:hiddenLine>
-            </a:ext>
-          </a:extLst>
-        </p:spPr>
-      </p:pic>
-      <p:sp>
-        <p:nvSpPr>
-          <p:cNvPr id="7" name="6 CuadroTexto"/>
-          <p:cNvSpPr txBox="1"/>
-          <p:nvPr/>
-        </p:nvSpPr>
-        <p:spPr>
-          <a:xfrm>
-            <a:off x="6876256" y="6309320"/>
-            <a:ext cx="1443216" cy="369332"/>
-          </a:xfrm>
-          <a:prstGeom prst="rect">
-            <a:avLst/>
-          </a:prstGeom>
-          <a:noFill/>
-        </p:spPr>
-        <p:txBody>
-          <a:bodyPr wrap="none" rtlCol="0">
-            <a:spAutoFit/>
-          </a:bodyPr>
-          <a:lstStyle/>
-          <a:p>
-            <a:r>
-              <a:rPr lang="es-ES" dirty="0" smtClean="0"/>
-              <a:t>27/04/2016</a:t>
-            </a:r>
-            <a:endParaRPr lang="es-ES" dirty="0"/>
-          </a:p>
-        </p:txBody>
-      </p:sp>
-    </p:spTree>
-    <p:extLst>
-      <p:ext uri="{BB962C8B-B14F-4D97-AF65-F5344CB8AC3E}">
-        <p14:creationId xmlns:p14="http://schemas.microsoft.com/office/powerpoint/2010/main" val="623887439"/>
       </p:ext>
     </p:extLst>
   </p:cSld>
@@ -6047,7 +6765,7 @@
         <p:spPr>
           <a:xfrm>
             <a:off x="6876256" y="6309320"/>
-            <a:ext cx="1443216" cy="369332"/>
+            <a:ext cx="1453603" cy="369332"/>
           </a:xfrm>
           <a:prstGeom prst="rect">
             <a:avLst/>
@@ -6062,7 +6780,7 @@
           <a:p>
             <a:r>
               <a:rPr lang="es-ES" dirty="0" smtClean="0"/>
-              <a:t>27/04/2016</a:t>
+              <a:t>09/05/2016</a:t>
             </a:r>
             <a:endParaRPr lang="es-ES" dirty="0"/>
           </a:p>
@@ -6295,8 +7013,8 @@
         </p:nvSpPr>
         <p:spPr>
           <a:xfrm>
-            <a:off x="6876256" y="6309320"/>
-            <a:ext cx="1443216" cy="369332"/>
+            <a:off x="7593280" y="6453336"/>
+            <a:ext cx="1453603" cy="369332"/>
           </a:xfrm>
           <a:prstGeom prst="rect">
             <a:avLst/>
@@ -6311,7 +7029,11 @@
           <a:p>
             <a:r>
               <a:rPr lang="es-ES" dirty="0" smtClean="0"/>
-              <a:t>27/04/2016</a:t>
+              <a:t>09</a:t>
+            </a:r>
+            <a:r>
+              <a:rPr lang="es-ES" dirty="0" smtClean="0"/>
+              <a:t>/05/2016</a:t>
             </a:r>
             <a:endParaRPr lang="es-ES" dirty="0"/>
           </a:p>
@@ -6326,20 +7048,20 @@
           <p:nvPr>
             <p:extLst>
               <p:ext uri="{D42A27DB-BD31-4B8C-83A1-F6EECF244321}">
-                <p14:modId xmlns:p14="http://schemas.microsoft.com/office/powerpoint/2010/main" val="2067497812"/>
+                <p14:modId xmlns:p14="http://schemas.microsoft.com/office/powerpoint/2010/main" val="2271638255"/>
               </p:ext>
             </p:extLst>
           </p:nvPr>
         </p:nvGraphicFramePr>
         <p:xfrm>
           <a:off x="619944" y="1215898"/>
-          <a:ext cx="7963732" cy="5181024"/>
+          <a:ext cx="8219256" cy="5347262"/>
         </p:xfrm>
         <a:graphic>
           <a:graphicData uri="http://schemas.openxmlformats.org/presentationml/2006/ole">
             <mc:AlternateContent xmlns:mc="http://schemas.openxmlformats.org/markup-compatibility/2006">
               <mc:Choice xmlns:v="urn:schemas-microsoft-com:vml" Requires="v">
-                <p:oleObj spid="_x0000_s2050" name="Documento" r:id="rId4" imgW="8386681" imgH="5455763" progId="Word.Document.12">
+                <p:oleObj spid="_x0000_s2057" name="Documento" r:id="rId4" imgW="8386681" imgH="5455763" progId="Word.Document.12">
                   <p:embed/>
                 </p:oleObj>
               </mc:Choice>
@@ -6361,7 +7083,7 @@
                     <p:spPr>
                       <a:xfrm>
                         <a:off x="619944" y="1215898"/>
-                        <a:ext cx="7963732" cy="5181024"/>
+                        <a:ext cx="8219256" cy="5347262"/>
                       </a:xfrm>
                       <a:prstGeom prst="rect">
                         <a:avLst/>
@@ -6395,6 +7117,794 @@
 </file>
 
 <file path=ppt/slides/slide7.xml><?xml version="1.0" encoding="utf-8"?>
+<p:sld xmlns:a="http://schemas.openxmlformats.org/drawingml/2006/main" xmlns:r="http://schemas.openxmlformats.org/officeDocument/2006/relationships" xmlns:p="http://schemas.openxmlformats.org/presentationml/2006/main">
+  <p:cSld>
+    <p:spTree>
+      <p:nvGrpSpPr>
+        <p:cNvPr id="1" name=""/>
+        <p:cNvGrpSpPr/>
+        <p:nvPr/>
+      </p:nvGrpSpPr>
+      <p:grpSpPr>
+        <a:xfrm>
+          <a:off x="0" y="0"/>
+          <a:ext cx="0" cy="0"/>
+          <a:chOff x="0" y="0"/>
+          <a:chExt cx="0" cy="0"/>
+        </a:xfrm>
+      </p:grpSpPr>
+      <p:pic>
+        <p:nvPicPr>
+          <p:cNvPr id="4" name="Picture 3"/>
+          <p:cNvPicPr>
+            <a:picLocks noChangeAspect="1" noChangeArrowheads="1"/>
+          </p:cNvPicPr>
+          <p:nvPr/>
+        </p:nvPicPr>
+        <p:blipFill>
+          <a:blip r:embed="rId2">
+            <a:extLst>
+              <a:ext uri="{28A0092B-C50C-407E-A947-70E740481C1C}">
+                <a14:useLocalDpi xmlns:a14="http://schemas.microsoft.com/office/drawing/2010/main" val="0"/>
+              </a:ext>
+            </a:extLst>
+          </a:blip>
+          <a:srcRect/>
+          <a:stretch>
+            <a:fillRect/>
+          </a:stretch>
+        </p:blipFill>
+        <p:spPr bwMode="auto">
+          <a:xfrm>
+            <a:off x="619944" y="314350"/>
+            <a:ext cx="2676525" cy="1466850"/>
+          </a:xfrm>
+          <a:prstGeom prst="rect">
+            <a:avLst/>
+          </a:prstGeom>
+          <a:noFill/>
+          <a:ln>
+            <a:noFill/>
+          </a:ln>
+          <a:effectLst/>
+          <a:extLst>
+            <a:ext uri="{909E8E84-426E-40DD-AFC4-6F175D3DCCD1}">
+              <a14:hiddenFill xmlns:a14="http://schemas.microsoft.com/office/drawing/2010/main">
+                <a:solidFill>
+                  <a:schemeClr val="accent1"/>
+                </a:solidFill>
+              </a14:hiddenFill>
+            </a:ext>
+            <a:ext uri="{91240B29-F687-4F45-9708-019B960494DF}">
+              <a14:hiddenLine xmlns:a14="http://schemas.microsoft.com/office/drawing/2010/main" w="9525">
+                <a:solidFill>
+                  <a:schemeClr val="tx1"/>
+                </a:solidFill>
+                <a:miter lim="800000"/>
+                <a:headEnd/>
+                <a:tailEnd/>
+              </a14:hiddenLine>
+            </a:ext>
+            <a:ext uri="{AF507438-7753-43E0-B8FC-AC1667EBCBE1}">
+              <a14:hiddenEffects xmlns:a14="http://schemas.microsoft.com/office/drawing/2010/main">
+                <a:effectLst>
+                  <a:outerShdw dist="35921" dir="2700000" algn="ctr" rotWithShape="0">
+                    <a:schemeClr val="bg2"/>
+                  </a:outerShdw>
+                </a:effectLst>
+              </a14:hiddenEffects>
+            </a:ext>
+          </a:extLst>
+        </p:spPr>
+      </p:pic>
+      <p:sp>
+        <p:nvSpPr>
+          <p:cNvPr id="5" name="3 Título"/>
+          <p:cNvSpPr txBox="1">
+            <a:spLocks/>
+          </p:cNvSpPr>
+          <p:nvPr/>
+        </p:nvSpPr>
+        <p:spPr>
+          <a:xfrm>
+            <a:off x="609600" y="427038"/>
+            <a:ext cx="8229600" cy="1143000"/>
+          </a:xfrm>
+          <a:prstGeom prst="rect">
+            <a:avLst/>
+          </a:prstGeom>
+        </p:spPr>
+        <p:txBody>
+          <a:bodyPr vert="horz" lIns="91440" tIns="45720" rIns="91440" bIns="45720" rtlCol="0" anchor="ctr">
+            <a:normAutofit fontScale="82500" lnSpcReduction="20000"/>
+          </a:bodyPr>
+          <a:lstStyle>
+            <a:lvl1pPr algn="ctr" defTabSz="914400" rtl="0" eaLnBrk="1" latinLnBrk="0" hangingPunct="1">
+              <a:spcBef>
+                <a:spcPct val="0"/>
+              </a:spcBef>
+              <a:buNone/>
+              <a:defRPr sz="4400" kern="1200">
+                <a:solidFill>
+                  <a:schemeClr val="tx1"/>
+                </a:solidFill>
+                <a:latin typeface="+mj-lt"/>
+                <a:ea typeface="+mj-ea"/>
+                <a:cs typeface="+mj-cs"/>
+              </a:defRPr>
+            </a:lvl1pPr>
+          </a:lstStyle>
+          <a:p>
+            <a:r>
+              <a:rPr lang="es-ES" sz="1300" dirty="0" smtClean="0"/>
+              <a:t>       “2016 - Año del Bicentenario de la Declaración de la Independencia Nacional”</a:t>
+            </a:r>
+            <a:r>
+              <a:rPr lang="es-ES_tradnl" dirty="0" smtClean="0"/>
+              <a:t> </a:t>
+            </a:r>
+            <a:r>
+              <a:rPr lang="es-ES" dirty="0" smtClean="0"/>
+              <a:t/>
+            </a:r>
+            <a:br>
+              <a:rPr lang="es-ES" dirty="0" smtClean="0"/>
+            </a:br>
+            <a:r>
+              <a:rPr lang="es-ES" sz="1600" b="1" dirty="0" smtClean="0"/>
+              <a:t>Sistema Federal de Medios y Contenidos Públicos</a:t>
+            </a:r>
+            <a:r>
+              <a:rPr lang="es-ES" dirty="0" smtClean="0"/>
+              <a:t/>
+            </a:r>
+            <a:br>
+              <a:rPr lang="es-ES" dirty="0" smtClean="0"/>
+            </a:br>
+            <a:endParaRPr lang="es-ES" dirty="0"/>
+          </a:p>
+        </p:txBody>
+      </p:sp>
+      <p:sp>
+        <p:nvSpPr>
+          <p:cNvPr id="7" name="6 CuadroTexto"/>
+          <p:cNvSpPr txBox="1"/>
+          <p:nvPr/>
+        </p:nvSpPr>
+        <p:spPr>
+          <a:xfrm>
+            <a:off x="6876256" y="6309320"/>
+            <a:ext cx="1453603" cy="369332"/>
+          </a:xfrm>
+          <a:prstGeom prst="rect">
+            <a:avLst/>
+          </a:prstGeom>
+          <a:noFill/>
+        </p:spPr>
+        <p:txBody>
+          <a:bodyPr wrap="none" rtlCol="0">
+            <a:spAutoFit/>
+          </a:bodyPr>
+          <a:lstStyle/>
+          <a:p>
+            <a:r>
+              <a:rPr lang="es-ES" dirty="0" smtClean="0"/>
+              <a:t>09/05/2016</a:t>
+            </a:r>
+            <a:endParaRPr lang="es-ES" dirty="0"/>
+          </a:p>
+        </p:txBody>
+      </p:sp>
+      <p:sp>
+        <p:nvSpPr>
+          <p:cNvPr id="2" name="1 Marcador de contenido"/>
+          <p:cNvSpPr>
+            <a:spLocks noGrp="1"/>
+          </p:cNvSpPr>
+          <p:nvPr>
+            <p:ph idx="1"/>
+          </p:nvPr>
+        </p:nvSpPr>
+        <p:spPr/>
+        <p:txBody>
+          <a:bodyPr>
+            <a:normAutofit fontScale="25000" lnSpcReduction="20000"/>
+          </a:bodyPr>
+          <a:lstStyle/>
+          <a:p>
+            <a:endParaRPr lang="es-AR" dirty="0" smtClean="0"/>
+          </a:p>
+          <a:p>
+            <a:endParaRPr lang="es-ES" dirty="0" smtClean="0"/>
+          </a:p>
+          <a:p>
+            <a:r>
+              <a:rPr lang="es-ES" sz="7200" dirty="0"/>
+              <a:t>1. </a:t>
+            </a:r>
+            <a:r>
+              <a:rPr lang="es-ES" sz="7200" dirty="0" smtClean="0"/>
+              <a:t>Otros Flujos </a:t>
+            </a:r>
+            <a:r>
+              <a:rPr lang="es-ES" sz="7200" dirty="0"/>
+              <a:t>tipo </a:t>
+            </a:r>
+            <a:r>
+              <a:rPr lang="es-ES" sz="7200" dirty="0" smtClean="0"/>
+              <a:t> A:</a:t>
+            </a:r>
+            <a:r>
+              <a:rPr lang="es-ES" sz="7200" dirty="0"/>
+              <a:t> </a:t>
+            </a:r>
+            <a:r>
+              <a:rPr lang="es-ES" sz="7200" dirty="0" smtClean="0"/>
+              <a:t>(Mesa</a:t>
+            </a:r>
+            <a:r>
+              <a:rPr lang="es-ES" sz="7200" dirty="0"/>
+              <a:t> - 1 </a:t>
+            </a:r>
+            <a:r>
+              <a:rPr lang="es-ES" sz="7200" dirty="0" smtClean="0"/>
+              <a:t>Área CTO )– Características</a:t>
+            </a:r>
+            <a:r>
+              <a:rPr lang="es-ES" sz="7200" b="0" dirty="0" smtClean="0"/>
+              <a:t>:</a:t>
+            </a:r>
+            <a:endParaRPr lang="es-ES" sz="7200" b="0" dirty="0"/>
+          </a:p>
+          <a:p>
+            <a:r>
+              <a:rPr lang="es-ES" sz="7200" b="0" dirty="0"/>
+              <a:t>- el tipo de trabajo con alta movilidad</a:t>
+            </a:r>
+          </a:p>
+          <a:p>
+            <a:r>
+              <a:rPr lang="es-ES" sz="7200" b="0" dirty="0"/>
+              <a:t>- no hay disponibilidad actual de conexión informática permanente de los colaboradores</a:t>
+            </a:r>
+          </a:p>
+          <a:p>
+            <a:r>
+              <a:rPr lang="es-ES" sz="7200" b="0" dirty="0"/>
+              <a:t>- la celeridad en resolver los requerimientos específicos</a:t>
+            </a:r>
+          </a:p>
+          <a:p>
+            <a:pPr marL="685800" indent="-685800">
+              <a:buFont typeface="Wingdings" panose="05000000000000000000" pitchFamily="2" charset="2"/>
+              <a:buChar char="Ø"/>
+            </a:pPr>
+            <a:r>
+              <a:rPr lang="es-ES" sz="7200" b="0" dirty="0" smtClean="0"/>
+              <a:t>Los</a:t>
+            </a:r>
+            <a:r>
+              <a:rPr lang="es-ES" sz="7200" b="0" dirty="0"/>
+              <a:t> tickets tipo A serán creados (en principio) al solo efecto de guardar "REGISTRO" de los pedidos a cada </a:t>
+            </a:r>
+            <a:r>
+              <a:rPr lang="es-ES" sz="7200" b="0" dirty="0" smtClean="0"/>
+              <a:t>área tanto como del </a:t>
+            </a:r>
+            <a:r>
+              <a:rPr lang="es-ES" sz="7200" b="0" dirty="0"/>
+              <a:t>tiempo de resolución de los mismos</a:t>
+            </a:r>
+          </a:p>
+          <a:p>
+            <a:pPr marL="685800" indent="-685800">
+              <a:buFont typeface="Wingdings" panose="05000000000000000000" pitchFamily="2" charset="2"/>
+              <a:buChar char="Ø"/>
+            </a:pPr>
+            <a:r>
+              <a:rPr lang="es-ES" sz="7200" b="0" dirty="0"/>
+              <a:t>Por tal motivo </a:t>
+            </a:r>
+            <a:r>
+              <a:rPr lang="es-ES" sz="7200" b="0" dirty="0" smtClean="0"/>
+              <a:t>- </a:t>
+            </a:r>
+            <a:r>
+              <a:rPr lang="es-ES" sz="7200" b="0" dirty="0"/>
+              <a:t>aun cuando </a:t>
+            </a:r>
+            <a:r>
+              <a:rPr lang="es-ES" sz="7200" b="0" dirty="0" smtClean="0"/>
+              <a:t>deban </a:t>
+            </a:r>
+            <a:r>
+              <a:rPr lang="es-ES" sz="7200" b="0" dirty="0"/>
+              <a:t>ser asignados al "área correspondiente"; los mismos </a:t>
+            </a:r>
+            <a:r>
+              <a:rPr lang="es-ES" sz="7200" b="0" dirty="0" smtClean="0"/>
+              <a:t>serian cerrados </a:t>
+            </a:r>
+            <a:r>
+              <a:rPr lang="es-ES" sz="7200" b="0" dirty="0"/>
+              <a:t>por Mesa contra </a:t>
+            </a:r>
+            <a:r>
+              <a:rPr lang="es-ES" sz="7200" b="0" dirty="0" smtClean="0"/>
+              <a:t>información o </a:t>
+            </a:r>
+            <a:r>
+              <a:rPr lang="es-ES" sz="7200" b="0" dirty="0"/>
+              <a:t>alerta </a:t>
+            </a:r>
+            <a:r>
+              <a:rPr lang="es-ES" sz="7200" b="0" dirty="0" smtClean="0"/>
+              <a:t>confirmando </a:t>
+            </a:r>
+            <a:r>
+              <a:rPr lang="es-ES" sz="7200" b="0" dirty="0"/>
+              <a:t>que el pedido esta "resuelto".</a:t>
+            </a:r>
+          </a:p>
+          <a:p>
+            <a:r>
+              <a:rPr lang="es-ES" sz="7200" b="0" dirty="0" smtClean="0"/>
+              <a:t>Ejemplos: </a:t>
+            </a:r>
+            <a:r>
+              <a:rPr lang="es-ES" sz="7200" dirty="0" smtClean="0"/>
+              <a:t>Limpieza / Mantenimiento / </a:t>
+            </a:r>
+            <a:r>
+              <a:rPr lang="es-ES" sz="7200" dirty="0" err="1" smtClean="0"/>
+              <a:t>Op</a:t>
+            </a:r>
+            <a:r>
+              <a:rPr lang="es-ES" sz="7200" dirty="0"/>
+              <a:t>. &amp; </a:t>
+            </a:r>
+            <a:r>
+              <a:rPr lang="es-ES" sz="7200" dirty="0" smtClean="0"/>
+              <a:t>Logística </a:t>
+            </a:r>
+            <a:r>
+              <a:rPr lang="es-ES" sz="6400" b="0" dirty="0"/>
+              <a:t/>
+            </a:r>
+            <a:br>
+              <a:rPr lang="es-ES" sz="6400" b="0" dirty="0"/>
+            </a:br>
+            <a:r>
+              <a:rPr lang="es-ES" sz="6400" b="0" dirty="0"/>
+              <a:t/>
+            </a:r>
+            <a:br>
+              <a:rPr lang="es-ES" sz="6400" b="0" dirty="0"/>
+            </a:br>
+            <a:endParaRPr lang="es-ES" sz="6400" b="0" dirty="0"/>
+          </a:p>
+          <a:p>
+            <a:endParaRPr lang="es-ES" sz="4800" b="0" dirty="0"/>
+          </a:p>
+        </p:txBody>
+      </p:sp>
+    </p:spTree>
+    <p:extLst>
+      <p:ext uri="{BB962C8B-B14F-4D97-AF65-F5344CB8AC3E}">
+        <p14:creationId xmlns:p14="http://schemas.microsoft.com/office/powerpoint/2010/main" val="875307528"/>
+      </p:ext>
+    </p:extLst>
+  </p:cSld>
+  <p:clrMapOvr>
+    <a:masterClrMapping/>
+  </p:clrMapOvr>
+  <p:timing>
+    <p:tnLst>
+      <p:par>
+        <p:cTn id="1" dur="indefinite" restart="never" nodeType="tmRoot"/>
+      </p:par>
+    </p:tnLst>
+  </p:timing>
+</p:sld>
+</file>
+
+<file path=ppt/slides/slide8.xml><?xml version="1.0" encoding="utf-8"?>
+<p:sld xmlns:a="http://schemas.openxmlformats.org/drawingml/2006/main" xmlns:r="http://schemas.openxmlformats.org/officeDocument/2006/relationships" xmlns:p="http://schemas.openxmlformats.org/presentationml/2006/main">
+  <p:cSld>
+    <p:spTree>
+      <p:nvGrpSpPr>
+        <p:cNvPr id="1" name=""/>
+        <p:cNvGrpSpPr/>
+        <p:nvPr/>
+      </p:nvGrpSpPr>
+      <p:grpSpPr>
+        <a:xfrm>
+          <a:off x="0" y="0"/>
+          <a:ext cx="0" cy="0"/>
+          <a:chOff x="0" y="0"/>
+          <a:chExt cx="0" cy="0"/>
+        </a:xfrm>
+      </p:grpSpPr>
+      <p:pic>
+        <p:nvPicPr>
+          <p:cNvPr id="4" name="Picture 3"/>
+          <p:cNvPicPr>
+            <a:picLocks noChangeAspect="1" noChangeArrowheads="1"/>
+          </p:cNvPicPr>
+          <p:nvPr/>
+        </p:nvPicPr>
+        <p:blipFill>
+          <a:blip r:embed="rId2">
+            <a:extLst>
+              <a:ext uri="{28A0092B-C50C-407E-A947-70E740481C1C}">
+                <a14:useLocalDpi xmlns:a14="http://schemas.microsoft.com/office/drawing/2010/main" val="0"/>
+              </a:ext>
+            </a:extLst>
+          </a:blip>
+          <a:srcRect/>
+          <a:stretch>
+            <a:fillRect/>
+          </a:stretch>
+        </p:blipFill>
+        <p:spPr bwMode="auto">
+          <a:xfrm>
+            <a:off x="619944" y="314350"/>
+            <a:ext cx="2676525" cy="1466850"/>
+          </a:xfrm>
+          <a:prstGeom prst="rect">
+            <a:avLst/>
+          </a:prstGeom>
+          <a:noFill/>
+          <a:ln>
+            <a:noFill/>
+          </a:ln>
+          <a:effectLst/>
+          <a:extLst>
+            <a:ext uri="{909E8E84-426E-40DD-AFC4-6F175D3DCCD1}">
+              <a14:hiddenFill xmlns:a14="http://schemas.microsoft.com/office/drawing/2010/main">
+                <a:solidFill>
+                  <a:schemeClr val="accent1"/>
+                </a:solidFill>
+              </a14:hiddenFill>
+            </a:ext>
+            <a:ext uri="{91240B29-F687-4F45-9708-019B960494DF}">
+              <a14:hiddenLine xmlns:a14="http://schemas.microsoft.com/office/drawing/2010/main" w="9525">
+                <a:solidFill>
+                  <a:schemeClr val="tx1"/>
+                </a:solidFill>
+                <a:miter lim="800000"/>
+                <a:headEnd/>
+                <a:tailEnd/>
+              </a14:hiddenLine>
+            </a:ext>
+            <a:ext uri="{AF507438-7753-43E0-B8FC-AC1667EBCBE1}">
+              <a14:hiddenEffects xmlns:a14="http://schemas.microsoft.com/office/drawing/2010/main">
+                <a:effectLst>
+                  <a:outerShdw dist="35921" dir="2700000" algn="ctr" rotWithShape="0">
+                    <a:schemeClr val="bg2"/>
+                  </a:outerShdw>
+                </a:effectLst>
+              </a14:hiddenEffects>
+            </a:ext>
+          </a:extLst>
+        </p:spPr>
+      </p:pic>
+      <p:sp>
+        <p:nvSpPr>
+          <p:cNvPr id="5" name="3 Título"/>
+          <p:cNvSpPr txBox="1">
+            <a:spLocks/>
+          </p:cNvSpPr>
+          <p:nvPr/>
+        </p:nvSpPr>
+        <p:spPr>
+          <a:xfrm>
+            <a:off x="609600" y="427038"/>
+            <a:ext cx="8229600" cy="1143000"/>
+          </a:xfrm>
+          <a:prstGeom prst="rect">
+            <a:avLst/>
+          </a:prstGeom>
+        </p:spPr>
+        <p:txBody>
+          <a:bodyPr vert="horz" lIns="91440" tIns="45720" rIns="91440" bIns="45720" rtlCol="0" anchor="ctr">
+            <a:normAutofit fontScale="82500" lnSpcReduction="20000"/>
+          </a:bodyPr>
+          <a:lstStyle>
+            <a:lvl1pPr algn="ctr" defTabSz="914400" rtl="0" eaLnBrk="1" latinLnBrk="0" hangingPunct="1">
+              <a:spcBef>
+                <a:spcPct val="0"/>
+              </a:spcBef>
+              <a:buNone/>
+              <a:defRPr sz="4400" kern="1200">
+                <a:solidFill>
+                  <a:schemeClr val="tx1"/>
+                </a:solidFill>
+                <a:latin typeface="+mj-lt"/>
+                <a:ea typeface="+mj-ea"/>
+                <a:cs typeface="+mj-cs"/>
+              </a:defRPr>
+            </a:lvl1pPr>
+          </a:lstStyle>
+          <a:p>
+            <a:r>
+              <a:rPr lang="es-ES" sz="1300" dirty="0" smtClean="0"/>
+              <a:t>       “2016 - Año del Bicentenario de la Declaración de la Independencia Nacional”</a:t>
+            </a:r>
+            <a:r>
+              <a:rPr lang="es-ES_tradnl" dirty="0" smtClean="0"/>
+              <a:t> </a:t>
+            </a:r>
+            <a:r>
+              <a:rPr lang="es-ES" dirty="0" smtClean="0"/>
+              <a:t/>
+            </a:r>
+            <a:br>
+              <a:rPr lang="es-ES" dirty="0" smtClean="0"/>
+            </a:br>
+            <a:r>
+              <a:rPr lang="es-ES" sz="1600" b="1" dirty="0" smtClean="0"/>
+              <a:t>Sistema Federal de Medios y Contenidos Públicos</a:t>
+            </a:r>
+            <a:r>
+              <a:rPr lang="es-ES" dirty="0" smtClean="0"/>
+              <a:t/>
+            </a:r>
+            <a:br>
+              <a:rPr lang="es-ES" dirty="0" smtClean="0"/>
+            </a:br>
+            <a:endParaRPr lang="es-ES" dirty="0"/>
+          </a:p>
+        </p:txBody>
+      </p:sp>
+      <p:sp>
+        <p:nvSpPr>
+          <p:cNvPr id="7" name="6 CuadroTexto"/>
+          <p:cNvSpPr txBox="1"/>
+          <p:nvPr/>
+        </p:nvSpPr>
+        <p:spPr>
+          <a:xfrm>
+            <a:off x="6876256" y="6309320"/>
+            <a:ext cx="1453603" cy="369332"/>
+          </a:xfrm>
+          <a:prstGeom prst="rect">
+            <a:avLst/>
+          </a:prstGeom>
+          <a:noFill/>
+        </p:spPr>
+        <p:txBody>
+          <a:bodyPr wrap="none" rtlCol="0">
+            <a:spAutoFit/>
+          </a:bodyPr>
+          <a:lstStyle/>
+          <a:p>
+            <a:r>
+              <a:rPr lang="es-ES" dirty="0" smtClean="0"/>
+              <a:t>09/05/2016</a:t>
+            </a:r>
+            <a:endParaRPr lang="es-ES" dirty="0"/>
+          </a:p>
+        </p:txBody>
+      </p:sp>
+      <p:sp>
+        <p:nvSpPr>
+          <p:cNvPr id="2" name="1 Marcador de contenido"/>
+          <p:cNvSpPr>
+            <a:spLocks noGrp="1"/>
+          </p:cNvSpPr>
+          <p:nvPr>
+            <p:ph idx="1"/>
+          </p:nvPr>
+        </p:nvSpPr>
+        <p:spPr>
+          <a:xfrm>
+            <a:off x="822960" y="1316652"/>
+            <a:ext cx="7520940" cy="4416604"/>
+          </a:xfrm>
+        </p:spPr>
+        <p:txBody>
+          <a:bodyPr>
+            <a:normAutofit fontScale="40000" lnSpcReduction="20000"/>
+          </a:bodyPr>
+          <a:lstStyle/>
+          <a:p>
+            <a:endParaRPr lang="es-AR" dirty="0" smtClean="0"/>
+          </a:p>
+          <a:p>
+            <a:r>
+              <a:rPr lang="es-ES" sz="4500" dirty="0" smtClean="0"/>
+              <a:t>2</a:t>
+            </a:r>
+            <a:r>
+              <a:rPr lang="es-ES" sz="4500" dirty="0"/>
+              <a:t>. Flujos tipo B: </a:t>
+            </a:r>
+            <a:r>
+              <a:rPr lang="es-ES" sz="4500" dirty="0" smtClean="0"/>
+              <a:t>(Mesa</a:t>
+            </a:r>
+            <a:r>
+              <a:rPr lang="es-ES" sz="4500" dirty="0"/>
+              <a:t> + O</a:t>
+            </a:r>
+            <a:r>
+              <a:rPr lang="es-ES" sz="4500" dirty="0" smtClean="0"/>
+              <a:t>tras Áreas </a:t>
+            </a:r>
+            <a:r>
+              <a:rPr lang="es-ES" sz="4500" dirty="0"/>
+              <a:t>de la CTO + </a:t>
+            </a:r>
+            <a:r>
+              <a:rPr lang="es-ES" sz="4500" dirty="0" smtClean="0"/>
+              <a:t>DGE ) – Características:</a:t>
+            </a:r>
+          </a:p>
+          <a:p>
+            <a:r>
+              <a:rPr lang="es-ES" sz="4900" b="0" dirty="0" smtClean="0"/>
+              <a:t>Implican la participación vía sistema del área “asignada” para resolver las tareas.</a:t>
+            </a:r>
+            <a:endParaRPr lang="es-ES" sz="4900" b="0" dirty="0"/>
+          </a:p>
+          <a:p>
+            <a:pPr marL="571500" indent="-571500">
+              <a:buFont typeface="Wingdings" panose="05000000000000000000" pitchFamily="2" charset="2"/>
+              <a:buChar char="Ø"/>
+            </a:pPr>
+            <a:r>
+              <a:rPr lang="es-ES" sz="4500" dirty="0" smtClean="0"/>
+              <a:t>Ingreso </a:t>
+            </a:r>
+            <a:r>
+              <a:rPr lang="es-ES" sz="4500" dirty="0"/>
+              <a:t>1 o Personas/Visitas </a:t>
+            </a:r>
+            <a:r>
+              <a:rPr lang="es-ES" sz="4000" b="0" dirty="0"/>
+              <a:t>= </a:t>
+            </a:r>
+            <a:r>
+              <a:rPr lang="es-ES" sz="3500" b="0" dirty="0" smtClean="0"/>
+              <a:t>Mesa</a:t>
+            </a:r>
+            <a:r>
+              <a:rPr lang="es-ES" sz="4000" b="0" dirty="0" smtClean="0"/>
+              <a:t> </a:t>
+            </a:r>
+            <a:r>
+              <a:rPr lang="es-ES" sz="3500" b="0" dirty="0" smtClean="0"/>
+              <a:t>ASIGNA </a:t>
+            </a:r>
+            <a:r>
+              <a:rPr lang="es-ES" sz="3500" b="0" dirty="0"/>
+              <a:t>a "control de accesos A+B"  / RESUELVE "Control de Accesos" - "Seguridad" debería estar notificado.</a:t>
+            </a:r>
+          </a:p>
+          <a:p>
+            <a:pPr marL="571500" indent="-571500">
+              <a:buFont typeface="Wingdings" panose="05000000000000000000" pitchFamily="2" charset="2"/>
+              <a:buChar char="Ø"/>
+            </a:pPr>
+            <a:r>
+              <a:rPr lang="es-ES" sz="4500" dirty="0"/>
+              <a:t>Ingreso 2 o de Artistas y Proveedores </a:t>
+            </a:r>
+            <a:r>
+              <a:rPr lang="es-ES" sz="4000" b="0" dirty="0"/>
+              <a:t>= </a:t>
+            </a:r>
+            <a:r>
+              <a:rPr lang="es-ES" sz="3500" b="0" dirty="0" smtClean="0"/>
+              <a:t>Mesa revisa </a:t>
+            </a:r>
+            <a:r>
+              <a:rPr lang="es-ES" sz="3500" b="0" dirty="0"/>
+              <a:t>documentación de ART (clausula de repetición y vigencia) y si esta correcta "ASIGNA" a "Higiene y </a:t>
+            </a:r>
+            <a:r>
+              <a:rPr lang="es-ES" sz="3500" b="0" dirty="0" err="1"/>
+              <a:t>Seg</a:t>
+            </a:r>
+            <a:r>
+              <a:rPr lang="es-ES" sz="3500" b="0" dirty="0"/>
+              <a:t>. de las Personas" quienes colocaran "EN PROCESO" mientras valida la documentación para que  a "control de accesos A/B" pueda poner la petición como "RESUELTA" cuando tenga emitidas las </a:t>
+            </a:r>
+            <a:r>
+              <a:rPr lang="es-ES" sz="3500" b="0" dirty="0" smtClean="0"/>
+              <a:t>credenciales para </a:t>
+            </a:r>
+            <a:r>
+              <a:rPr lang="es-ES" sz="3500" b="0" dirty="0"/>
+              <a:t>lo cual debería contar con el ok de parte de Higiene y </a:t>
+            </a:r>
+            <a:r>
+              <a:rPr lang="es-ES" sz="3500" b="0" dirty="0" err="1"/>
+              <a:t>Seg</a:t>
+            </a:r>
+            <a:r>
+              <a:rPr lang="es-ES" sz="3500" b="0" dirty="0"/>
+              <a:t>. de las personas</a:t>
+            </a:r>
+            <a:r>
+              <a:rPr lang="es-ES" sz="3500" b="0" dirty="0" smtClean="0"/>
+              <a:t>. (analizar flujo del ticket)</a:t>
+            </a:r>
+            <a:endParaRPr lang="es-ES" sz="3500" b="0" dirty="0"/>
+          </a:p>
+          <a:p>
+            <a:pPr marL="571500" indent="-571500">
+              <a:buFont typeface="Wingdings" panose="05000000000000000000" pitchFamily="2" charset="2"/>
+              <a:buChar char="Ø"/>
+            </a:pPr>
+            <a:r>
+              <a:rPr lang="es-ES" sz="4500" dirty="0"/>
+              <a:t>Ingreso 3 o Patentes/Vehículos </a:t>
+            </a:r>
+            <a:r>
+              <a:rPr lang="es-ES" sz="4000" b="0" dirty="0"/>
+              <a:t>= </a:t>
+            </a:r>
+            <a:r>
+              <a:rPr lang="es-ES" sz="3500" b="0" dirty="0"/>
+              <a:t>ASIGNAR a Control de Accesos - RESUELVE "Control de Accesos" -  - "Seguridad" debería estar notificado.</a:t>
+            </a:r>
+          </a:p>
+          <a:p>
+            <a:pPr marL="571500" indent="-571500">
+              <a:buFont typeface="Wingdings" panose="05000000000000000000" pitchFamily="2" charset="2"/>
+              <a:buChar char="Ø"/>
+            </a:pPr>
+            <a:r>
+              <a:rPr lang="es-ES" sz="4500" dirty="0" smtClean="0"/>
+              <a:t>Mudanzas</a:t>
+            </a:r>
+            <a:r>
+              <a:rPr lang="es-ES" sz="4000" b="0" dirty="0" smtClean="0"/>
+              <a:t> </a:t>
+            </a:r>
+            <a:r>
+              <a:rPr lang="es-ES" sz="4000" b="0" dirty="0"/>
+              <a:t>= </a:t>
+            </a:r>
+            <a:r>
+              <a:rPr lang="es-ES" sz="3500" b="0" dirty="0"/>
+              <a:t>El requirente es "EF" y las tareas se deben "ASIGNAR" a "Limpieza" + </a:t>
+            </a:r>
+            <a:r>
+              <a:rPr lang="es-ES" sz="3500" b="0" dirty="0" err="1"/>
+              <a:t>Jonatan</a:t>
+            </a:r>
+            <a:r>
+              <a:rPr lang="es-ES" sz="3500" b="0" dirty="0"/>
+              <a:t> Soto "Operativa &amp; Logística</a:t>
+            </a:r>
+            <a:endParaRPr lang="es-ES" sz="3500" dirty="0" smtClean="0"/>
+          </a:p>
+        </p:txBody>
+      </p:sp>
+    </p:spTree>
+    <p:extLst>
+      <p:ext uri="{BB962C8B-B14F-4D97-AF65-F5344CB8AC3E}">
+        <p14:creationId xmlns:p14="http://schemas.microsoft.com/office/powerpoint/2010/main" val="3836301750"/>
+      </p:ext>
+    </p:extLst>
+  </p:cSld>
+  <p:clrMapOvr>
+    <a:masterClrMapping/>
+  </p:clrMapOvr>
+  <p:timing>
+    <p:tnLst>
+      <p:par>
+        <p:cTn id="1" dur="indefinite" restart="never" nodeType="tmRoot"/>
+      </p:par>
+    </p:tnLst>
+  </p:timing>
+</p:sld>
+</file>
+
+<file path=ppt/slides/slide9.xml><?xml version="1.0" encoding="utf-8"?>
 <p:sld xmlns:a="http://schemas.openxmlformats.org/drawingml/2006/main" xmlns:r="http://schemas.openxmlformats.org/officeDocument/2006/relationships" xmlns:p="http://schemas.openxmlformats.org/presentationml/2006/main">
   <p:cSld>
     <p:spTree>
@@ -6552,7 +8062,7 @@
         <p:spPr>
           <a:xfrm>
             <a:off x="2555777" y="2852936"/>
-            <a:ext cx="4094646" cy="461665"/>
+            <a:ext cx="4094646" cy="1200329"/>
           </a:xfrm>
           <a:prstGeom prst="rect">
             <a:avLst/>
@@ -6569,12 +8079,47 @@
                 <a:latin typeface="Gisha" panose="020B0502040204020203" pitchFamily="34" charset="-79"/>
                 <a:cs typeface="Gisha" panose="020B0502040204020203" pitchFamily="34" charset="-79"/>
               </a:rPr>
-              <a:t>¡ VEAMOS LA DEMO !</a:t>
-            </a:r>
-            <a:endParaRPr lang="es-ES" sz="2400" b="1" dirty="0">
-              <a:latin typeface="Gisha" panose="020B0502040204020203" pitchFamily="34" charset="-79"/>
-              <a:cs typeface="Gisha" panose="020B0502040204020203" pitchFamily="34" charset="-79"/>
-            </a:endParaRPr>
+              <a:t>¡ VEAMOS LA </a:t>
+            </a:r>
+            <a:r>
+              <a:rPr lang="es-ES" sz="2400" b="1" dirty="0" smtClean="0">
+                <a:latin typeface="Gisha" panose="020B0502040204020203" pitchFamily="34" charset="-79"/>
+                <a:cs typeface="Gisha" panose="020B0502040204020203" pitchFamily="34" charset="-79"/>
+              </a:rPr>
+              <a:t>DEMO </a:t>
+            </a:r>
+          </a:p>
+          <a:p>
+            <a:r>
+              <a:rPr lang="es-ES" sz="2400" b="1" dirty="0" smtClean="0">
+                <a:latin typeface="Gisha" panose="020B0502040204020203" pitchFamily="34" charset="-79"/>
+                <a:cs typeface="Gisha" panose="020B0502040204020203" pitchFamily="34" charset="-79"/>
+              </a:rPr>
+              <a:t>PARA APERTURA DE</a:t>
+            </a:r>
+          </a:p>
+          <a:p>
+            <a:r>
+              <a:rPr lang="es-ES" sz="2400" b="1" dirty="0" smtClean="0">
+                <a:latin typeface="Gisha" panose="020B0502040204020203" pitchFamily="34" charset="-79"/>
+                <a:cs typeface="Gisha" panose="020B0502040204020203" pitchFamily="34" charset="-79"/>
+              </a:rPr>
+              <a:t>SALAS</a:t>
+            </a:r>
+            <a:r>
+              <a:rPr lang="es-ES" sz="2400" b="1" dirty="0" smtClean="0">
+                <a:latin typeface="Gisha" panose="020B0502040204020203" pitchFamily="34" charset="-79"/>
+                <a:cs typeface="Gisha" panose="020B0502040204020203" pitchFamily="34" charset="-79"/>
+              </a:rPr>
+              <a:t> </a:t>
+            </a:r>
+            <a:r>
+              <a:rPr lang="es-ES" sz="2400" b="1" dirty="0">
+                <a:latin typeface="Gisha" panose="020B0502040204020203" pitchFamily="34" charset="-79"/>
+                <a:cs typeface="Gisha" panose="020B0502040204020203" pitchFamily="34" charset="-79"/>
+              </a:rPr>
+              <a:t>!</a:t>
+            </a:r>
           </a:p>
         </p:txBody>
       </p:sp>
@@ -6632,213 +8177,16 @@
           </a:extLst>
         </p:spPr>
       </p:pic>
-    </p:spTree>
-    <p:extLst>
-      <p:ext uri="{BB962C8B-B14F-4D97-AF65-F5344CB8AC3E}">
-        <p14:creationId xmlns:p14="http://schemas.microsoft.com/office/powerpoint/2010/main" val="228539087"/>
-      </p:ext>
-    </p:extLst>
-  </p:cSld>
-  <p:clrMapOvr>
-    <a:masterClrMapping/>
-  </p:clrMapOvr>
-  <p:timing>
-    <p:tnLst>
-      <p:par>
-        <p:cTn id="1" dur="indefinite" restart="never" nodeType="tmRoot"/>
-      </p:par>
-    </p:tnLst>
-  </p:timing>
-</p:sld>
-</file>
-
-<file path=ppt/slides/slide8.xml><?xml version="1.0" encoding="utf-8"?>
-<p:sld xmlns:a="http://schemas.openxmlformats.org/drawingml/2006/main" xmlns:r="http://schemas.openxmlformats.org/officeDocument/2006/relationships" xmlns:p="http://schemas.openxmlformats.org/presentationml/2006/main">
-  <p:cSld>
-    <p:spTree>
-      <p:nvGrpSpPr>
-        <p:cNvPr id="1" name=""/>
-        <p:cNvGrpSpPr/>
-        <p:nvPr/>
-      </p:nvGrpSpPr>
-      <p:grpSpPr>
-        <a:xfrm>
-          <a:off x="0" y="0"/>
-          <a:ext cx="0" cy="0"/>
-          <a:chOff x="0" y="0"/>
-          <a:chExt cx="0" cy="0"/>
-        </a:xfrm>
-      </p:grpSpPr>
-      <p:sp>
-        <p:nvSpPr>
-          <p:cNvPr id="3" name="2 Marcador de contenido"/>
-          <p:cNvSpPr>
-            <a:spLocks noGrp="1"/>
-          </p:cNvSpPr>
-          <p:nvPr>
-            <p:ph idx="1"/>
-          </p:nvPr>
-        </p:nvSpPr>
-        <p:spPr/>
-        <p:txBody>
-          <a:bodyPr/>
-          <a:lstStyle/>
-          <a:p>
-            <a:endParaRPr lang="es-ES" dirty="0" smtClean="0"/>
-          </a:p>
-          <a:p>
-            <a:endParaRPr lang="es-ES" dirty="0"/>
-          </a:p>
-          <a:p>
-            <a:endParaRPr lang="es-ES" dirty="0" smtClean="0"/>
-          </a:p>
-          <a:p>
-            <a:endParaRPr lang="es-ES" dirty="0"/>
-          </a:p>
-        </p:txBody>
-      </p:sp>
-      <p:pic>
-        <p:nvPicPr>
-          <p:cNvPr id="4" name="Picture 3"/>
-          <p:cNvPicPr>
-            <a:picLocks noChangeAspect="1" noChangeArrowheads="1"/>
-          </p:cNvPicPr>
-          <p:nvPr/>
-        </p:nvPicPr>
-        <p:blipFill>
-          <a:blip r:embed="rId2">
-            <a:extLst>
-              <a:ext uri="{28A0092B-C50C-407E-A947-70E740481C1C}">
-                <a14:useLocalDpi xmlns:a14="http://schemas.microsoft.com/office/drawing/2010/main" val="0"/>
-              </a:ext>
-            </a:extLst>
-          </a:blip>
-          <a:srcRect/>
-          <a:stretch>
-            <a:fillRect/>
-          </a:stretch>
-        </p:blipFill>
-        <p:spPr bwMode="auto">
-          <a:xfrm>
-            <a:off x="619944" y="314350"/>
-            <a:ext cx="2676525" cy="1466850"/>
-          </a:xfrm>
-          <a:prstGeom prst="rect">
-            <a:avLst/>
-          </a:prstGeom>
-          <a:noFill/>
-          <a:ln>
-            <a:noFill/>
-          </a:ln>
-          <a:effectLst/>
-          <a:extLst>
-            <a:ext uri="{909E8E84-426E-40DD-AFC4-6F175D3DCCD1}">
-              <a14:hiddenFill xmlns:a14="http://schemas.microsoft.com/office/drawing/2010/main">
-                <a:solidFill>
-                  <a:schemeClr val="accent1"/>
-                </a:solidFill>
-              </a14:hiddenFill>
-            </a:ext>
-            <a:ext uri="{91240B29-F687-4F45-9708-019B960494DF}">
-              <a14:hiddenLine xmlns:a14="http://schemas.microsoft.com/office/drawing/2010/main" w="9525">
-                <a:solidFill>
-                  <a:schemeClr val="tx1"/>
-                </a:solidFill>
-                <a:miter lim="800000"/>
-                <a:headEnd/>
-                <a:tailEnd/>
-              </a14:hiddenLine>
-            </a:ext>
-            <a:ext uri="{AF507438-7753-43E0-B8FC-AC1667EBCBE1}">
-              <a14:hiddenEffects xmlns:a14="http://schemas.microsoft.com/office/drawing/2010/main">
-                <a:effectLst>
-                  <a:outerShdw dist="35921" dir="2700000" algn="ctr" rotWithShape="0">
-                    <a:schemeClr val="bg2"/>
-                  </a:outerShdw>
-                </a:effectLst>
-              </a14:hiddenEffects>
-            </a:ext>
-          </a:extLst>
-        </p:spPr>
-      </p:pic>
-      <p:sp>
-        <p:nvSpPr>
-          <p:cNvPr id="5" name="3 Título"/>
-          <p:cNvSpPr txBox="1">
-            <a:spLocks/>
-          </p:cNvSpPr>
+      <p:sp>
+        <p:nvSpPr>
+          <p:cNvPr id="6" name="5 CuadroTexto"/>
+          <p:cNvSpPr txBox="1"/>
           <p:nvPr/>
         </p:nvSpPr>
         <p:spPr>
           <a:xfrm>
-            <a:off x="609600" y="427038"/>
-            <a:ext cx="8229600" cy="1143000"/>
-          </a:xfrm>
-          <a:prstGeom prst="rect">
-            <a:avLst/>
-          </a:prstGeom>
-        </p:spPr>
-        <p:txBody>
-          <a:bodyPr vert="horz" lIns="91440" tIns="45720" rIns="91440" bIns="45720" rtlCol="0" anchor="ctr">
-            <a:normAutofit fontScale="82500" lnSpcReduction="20000"/>
-          </a:bodyPr>
-          <a:lstStyle>
-            <a:lvl1pPr algn="ctr" defTabSz="914400" rtl="0" eaLnBrk="1" latinLnBrk="0" hangingPunct="1">
-              <a:spcBef>
-                <a:spcPct val="0"/>
-              </a:spcBef>
-              <a:buNone/>
-              <a:defRPr sz="4400" kern="1200">
-                <a:solidFill>
-                  <a:schemeClr val="tx1"/>
-                </a:solidFill>
-                <a:latin typeface="+mj-lt"/>
-                <a:ea typeface="+mj-ea"/>
-                <a:cs typeface="+mj-cs"/>
-              </a:defRPr>
-            </a:lvl1pPr>
-          </a:lstStyle>
-          <a:p>
-            <a:r>
-              <a:rPr lang="es-ES" sz="1300" dirty="0" smtClean="0"/>
-              <a:t>       “2016 - Año del Bicentenario de la Declaración de la Independencia Nacional”</a:t>
-            </a:r>
-            <a:r>
-              <a:rPr lang="es-ES_tradnl" dirty="0" smtClean="0"/>
-              <a:t> </a:t>
-            </a:r>
-            <a:r>
-              <a:rPr lang="es-ES" dirty="0" smtClean="0"/>
-              <a:t/>
-            </a:r>
-            <a:br>
-              <a:rPr lang="es-ES" dirty="0" smtClean="0"/>
-            </a:br>
-            <a:r>
-              <a:rPr lang="es-ES" sz="1600" b="1" dirty="0" smtClean="0"/>
-              <a:t>Sistema Federal de Medios y Contenidos Públicos</a:t>
-            </a:r>
-            <a:r>
-              <a:rPr lang="es-ES" dirty="0" smtClean="0"/>
-              <a:t/>
-            </a:r>
-            <a:br>
-              <a:rPr lang="es-ES" dirty="0" smtClean="0"/>
-            </a:br>
-            <a:endParaRPr lang="es-ES" dirty="0"/>
-          </a:p>
-        </p:txBody>
-      </p:sp>
-      <p:sp>
-        <p:nvSpPr>
-          <p:cNvPr id="2" name="1 CuadroTexto"/>
-          <p:cNvSpPr txBox="1"/>
-          <p:nvPr/>
-        </p:nvSpPr>
-        <p:spPr>
-          <a:xfrm>
-            <a:off x="1259632" y="2708920"/>
-            <a:ext cx="6408712" cy="2769989"/>
+            <a:off x="7593280" y="6453336"/>
+            <a:ext cx="1453603" cy="369332"/>
           </a:xfrm>
           <a:prstGeom prst="rect">
             <a:avLst/>
@@ -6846,120 +8194,6 @@
           <a:noFill/>
         </p:spPr>
         <p:txBody>
-          <a:bodyPr wrap="square" rtlCol="0">
-            <a:spAutoFit/>
-          </a:bodyPr>
-          <a:lstStyle/>
-          <a:p>
-            <a:r>
-              <a:rPr lang="es-ES" sz="2000" b="1" dirty="0" smtClean="0"/>
-              <a:t>Espacios para </a:t>
-            </a:r>
-          </a:p>
-          <a:p>
-            <a:r>
-              <a:rPr lang="es-ES" sz="2000" b="1" dirty="0" smtClean="0"/>
-              <a:t>Consultas ….</a:t>
-            </a:r>
-          </a:p>
-          <a:p>
-            <a:endParaRPr lang="es-ES" sz="2000" b="1" dirty="0" smtClean="0"/>
-          </a:p>
-          <a:p>
-            <a:endParaRPr lang="es-ES" sz="2000" b="1" dirty="0"/>
-          </a:p>
-          <a:p>
-            <a:endParaRPr lang="es-ES" sz="2000" b="1" dirty="0" smtClean="0"/>
-          </a:p>
-          <a:p>
-            <a:pPr algn="r"/>
-            <a:r>
-              <a:rPr lang="es-ES" sz="2000" b="1" dirty="0" smtClean="0"/>
-              <a:t>Y aclaraciones.</a:t>
-            </a:r>
-          </a:p>
-          <a:p>
-            <a:endParaRPr lang="es-ES" dirty="0"/>
-          </a:p>
-          <a:p>
-            <a:endParaRPr lang="es-ES" dirty="0" smtClean="0"/>
-          </a:p>
-          <a:p>
-            <a:endParaRPr lang="es-ES" dirty="0"/>
-          </a:p>
-        </p:txBody>
-      </p:sp>
-      <p:pic>
-        <p:nvPicPr>
-          <p:cNvPr id="2050" name="Picture 2"/>
-          <p:cNvPicPr>
-            <a:picLocks noChangeAspect="1" noChangeArrowheads="1"/>
-          </p:cNvPicPr>
-          <p:nvPr/>
-        </p:nvPicPr>
-        <p:blipFill>
-          <a:blip r:embed="rId3">
-            <a:extLst>
-              <a:ext uri="{28A0092B-C50C-407E-A947-70E740481C1C}">
-                <a14:useLocalDpi xmlns:a14="http://schemas.microsoft.com/office/drawing/2010/main" val="0"/>
-              </a:ext>
-            </a:extLst>
-          </a:blip>
-          <a:srcRect/>
-          <a:stretch>
-            <a:fillRect/>
-          </a:stretch>
-        </p:blipFill>
-        <p:spPr bwMode="auto">
-          <a:xfrm>
-            <a:off x="3614738" y="2233613"/>
-            <a:ext cx="1914525" cy="2390775"/>
-          </a:xfrm>
-          <a:prstGeom prst="rect">
-            <a:avLst/>
-          </a:prstGeom>
-          <a:noFill/>
-          <a:ln>
-            <a:noFill/>
-          </a:ln>
-          <a:extLst>
-            <a:ext uri="{909E8E84-426E-40DD-AFC4-6F175D3DCCD1}">
-              <a14:hiddenFill xmlns:a14="http://schemas.microsoft.com/office/drawing/2010/main">
-                <a:solidFill>
-                  <a:schemeClr val="accent1"/>
-                </a:solidFill>
-              </a14:hiddenFill>
-            </a:ext>
-            <a:ext uri="{91240B29-F687-4F45-9708-019B960494DF}">
-              <a14:hiddenLine xmlns:a14="http://schemas.microsoft.com/office/drawing/2010/main" w="9525">
-                <a:solidFill>
-                  <a:schemeClr val="tx1"/>
-                </a:solidFill>
-                <a:miter lim="800000"/>
-                <a:headEnd/>
-                <a:tailEnd/>
-              </a14:hiddenLine>
-            </a:ext>
-          </a:extLst>
-        </p:spPr>
-      </p:pic>
-      <p:sp>
-        <p:nvSpPr>
-          <p:cNvPr id="8" name="7 CuadroTexto"/>
-          <p:cNvSpPr txBox="1"/>
-          <p:nvPr/>
-        </p:nvSpPr>
-        <p:spPr>
-          <a:xfrm>
-            <a:off x="6876256" y="6309320"/>
-            <a:ext cx="1443216" cy="369332"/>
-          </a:xfrm>
-          <a:prstGeom prst="rect">
-            <a:avLst/>
-          </a:prstGeom>
-          <a:noFill/>
-        </p:spPr>
-        <p:txBody>
           <a:bodyPr wrap="none" rtlCol="0">
             <a:spAutoFit/>
           </a:bodyPr>
@@ -6967,7 +8201,11 @@
           <a:p>
             <a:r>
               <a:rPr lang="es-ES" dirty="0" smtClean="0"/>
-              <a:t>27/04/2016</a:t>
+              <a:t>09</a:t>
+            </a:r>
+            <a:r>
+              <a:rPr lang="es-ES" dirty="0" smtClean="0"/>
+              <a:t>/05/2016</a:t>
             </a:r>
             <a:endParaRPr lang="es-ES" dirty="0"/>
           </a:p>
@@ -6976,346 +8214,7 @@
     </p:spTree>
     <p:extLst>
       <p:ext uri="{BB962C8B-B14F-4D97-AF65-F5344CB8AC3E}">
-        <p14:creationId xmlns:p14="http://schemas.microsoft.com/office/powerpoint/2010/main" val="3630947452"/>
-      </p:ext>
-    </p:extLst>
-  </p:cSld>
-  <p:clrMapOvr>
-    <a:masterClrMapping/>
-  </p:clrMapOvr>
-  <p:timing>
-    <p:tnLst>
-      <p:par>
-        <p:cTn id="1" dur="indefinite" restart="never" nodeType="tmRoot"/>
-      </p:par>
-    </p:tnLst>
-  </p:timing>
-</p:sld>
-</file>
-
-<file path=ppt/slides/slide9.xml><?xml version="1.0" encoding="utf-8"?>
-<p:sld xmlns:a="http://schemas.openxmlformats.org/drawingml/2006/main" xmlns:r="http://schemas.openxmlformats.org/officeDocument/2006/relationships" xmlns:p="http://schemas.openxmlformats.org/presentationml/2006/main">
-  <p:cSld>
-    <p:spTree>
-      <p:nvGrpSpPr>
-        <p:cNvPr id="1" name=""/>
-        <p:cNvGrpSpPr/>
-        <p:nvPr/>
-      </p:nvGrpSpPr>
-      <p:grpSpPr>
-        <a:xfrm>
-          <a:off x="0" y="0"/>
-          <a:ext cx="0" cy="0"/>
-          <a:chOff x="0" y="0"/>
-          <a:chExt cx="0" cy="0"/>
-        </a:xfrm>
-      </p:grpSpPr>
-      <p:sp>
-        <p:nvSpPr>
-          <p:cNvPr id="3" name="2 Marcador de contenido"/>
-          <p:cNvSpPr>
-            <a:spLocks noGrp="1"/>
-          </p:cNvSpPr>
-          <p:nvPr>
-            <p:ph idx="1"/>
-          </p:nvPr>
-        </p:nvSpPr>
-        <p:spPr/>
-        <p:txBody>
-          <a:bodyPr/>
-          <a:lstStyle/>
-          <a:p>
-            <a:endParaRPr lang="es-ES" dirty="0" smtClean="0"/>
-          </a:p>
-          <a:p>
-            <a:endParaRPr lang="es-ES" dirty="0"/>
-          </a:p>
-          <a:p>
-            <a:endParaRPr lang="es-ES" dirty="0" smtClean="0"/>
-          </a:p>
-          <a:p>
-            <a:endParaRPr lang="es-ES" dirty="0"/>
-          </a:p>
-        </p:txBody>
-      </p:sp>
-      <p:pic>
-        <p:nvPicPr>
-          <p:cNvPr id="4" name="Picture 3"/>
-          <p:cNvPicPr>
-            <a:picLocks noChangeAspect="1" noChangeArrowheads="1"/>
-          </p:cNvPicPr>
-          <p:nvPr/>
-        </p:nvPicPr>
-        <p:blipFill>
-          <a:blip r:embed="rId2">
-            <a:extLst>
-              <a:ext uri="{28A0092B-C50C-407E-A947-70E740481C1C}">
-                <a14:useLocalDpi xmlns:a14="http://schemas.microsoft.com/office/drawing/2010/main" val="0"/>
-              </a:ext>
-            </a:extLst>
-          </a:blip>
-          <a:srcRect/>
-          <a:stretch>
-            <a:fillRect/>
-          </a:stretch>
-        </p:blipFill>
-        <p:spPr bwMode="auto">
-          <a:xfrm>
-            <a:off x="619944" y="314350"/>
-            <a:ext cx="2676525" cy="1466850"/>
-          </a:xfrm>
-          <a:prstGeom prst="rect">
-            <a:avLst/>
-          </a:prstGeom>
-          <a:noFill/>
-          <a:ln>
-            <a:noFill/>
-          </a:ln>
-          <a:effectLst/>
-          <a:extLst>
-            <a:ext uri="{909E8E84-426E-40DD-AFC4-6F175D3DCCD1}">
-              <a14:hiddenFill xmlns:a14="http://schemas.microsoft.com/office/drawing/2010/main">
-                <a:solidFill>
-                  <a:schemeClr val="accent1"/>
-                </a:solidFill>
-              </a14:hiddenFill>
-            </a:ext>
-            <a:ext uri="{91240B29-F687-4F45-9708-019B960494DF}">
-              <a14:hiddenLine xmlns:a14="http://schemas.microsoft.com/office/drawing/2010/main" w="9525">
-                <a:solidFill>
-                  <a:schemeClr val="tx1"/>
-                </a:solidFill>
-                <a:miter lim="800000"/>
-                <a:headEnd/>
-                <a:tailEnd/>
-              </a14:hiddenLine>
-            </a:ext>
-            <a:ext uri="{AF507438-7753-43E0-B8FC-AC1667EBCBE1}">
-              <a14:hiddenEffects xmlns:a14="http://schemas.microsoft.com/office/drawing/2010/main">
-                <a:effectLst>
-                  <a:outerShdw dist="35921" dir="2700000" algn="ctr" rotWithShape="0">
-                    <a:schemeClr val="bg2"/>
-                  </a:outerShdw>
-                </a:effectLst>
-              </a14:hiddenEffects>
-            </a:ext>
-          </a:extLst>
-        </p:spPr>
-      </p:pic>
-      <p:sp>
-        <p:nvSpPr>
-          <p:cNvPr id="5" name="3 Título"/>
-          <p:cNvSpPr txBox="1">
-            <a:spLocks/>
-          </p:cNvSpPr>
-          <p:nvPr/>
-        </p:nvSpPr>
-        <p:spPr>
-          <a:xfrm>
-            <a:off x="609600" y="427038"/>
-            <a:ext cx="8229600" cy="1143000"/>
-          </a:xfrm>
-          <a:prstGeom prst="rect">
-            <a:avLst/>
-          </a:prstGeom>
-        </p:spPr>
-        <p:txBody>
-          <a:bodyPr vert="horz" lIns="91440" tIns="45720" rIns="91440" bIns="45720" rtlCol="0" anchor="ctr">
-            <a:normAutofit fontScale="82500" lnSpcReduction="20000"/>
-          </a:bodyPr>
-          <a:lstStyle>
-            <a:lvl1pPr algn="ctr" defTabSz="914400" rtl="0" eaLnBrk="1" latinLnBrk="0" hangingPunct="1">
-              <a:spcBef>
-                <a:spcPct val="0"/>
-              </a:spcBef>
-              <a:buNone/>
-              <a:defRPr sz="4400" kern="1200">
-                <a:solidFill>
-                  <a:schemeClr val="tx1"/>
-                </a:solidFill>
-                <a:latin typeface="+mj-lt"/>
-                <a:ea typeface="+mj-ea"/>
-                <a:cs typeface="+mj-cs"/>
-              </a:defRPr>
-            </a:lvl1pPr>
-          </a:lstStyle>
-          <a:p>
-            <a:r>
-              <a:rPr lang="es-ES" sz="1300" dirty="0" smtClean="0"/>
-              <a:t>       “2016 - Año del Bicentenario de la Declaración de la Independencia Nacional”</a:t>
-            </a:r>
-            <a:r>
-              <a:rPr lang="es-ES_tradnl" dirty="0" smtClean="0"/>
-              <a:t> </a:t>
-            </a:r>
-            <a:r>
-              <a:rPr lang="es-ES" dirty="0" smtClean="0"/>
-              <a:t/>
-            </a:r>
-            <a:br>
-              <a:rPr lang="es-ES" dirty="0" smtClean="0"/>
-            </a:br>
-            <a:r>
-              <a:rPr lang="es-ES" sz="1600" b="1" dirty="0" smtClean="0"/>
-              <a:t>Sistema Federal de Medios y Contenidos Públicos</a:t>
-            </a:r>
-            <a:r>
-              <a:rPr lang="es-ES" dirty="0" smtClean="0"/>
-              <a:t/>
-            </a:r>
-            <a:br>
-              <a:rPr lang="es-ES" dirty="0" smtClean="0"/>
-            </a:br>
-            <a:endParaRPr lang="es-ES" dirty="0"/>
-          </a:p>
-        </p:txBody>
-      </p:sp>
-      <p:sp>
-        <p:nvSpPr>
-          <p:cNvPr id="2" name="1 CuadroTexto"/>
-          <p:cNvSpPr txBox="1"/>
-          <p:nvPr/>
-        </p:nvSpPr>
-        <p:spPr>
-          <a:xfrm>
-            <a:off x="1367644" y="2708920"/>
-            <a:ext cx="6408712" cy="2462213"/>
-          </a:xfrm>
-          <a:prstGeom prst="rect">
-            <a:avLst/>
-          </a:prstGeom>
-          <a:noFill/>
-        </p:spPr>
-        <p:txBody>
-          <a:bodyPr wrap="square" rtlCol="0">
-            <a:spAutoFit/>
-          </a:bodyPr>
-          <a:lstStyle/>
-          <a:p>
-            <a:r>
-              <a:rPr lang="es-ES" sz="2000" b="1" dirty="0" smtClean="0"/>
-              <a:t>¡ Gracias …</a:t>
-            </a:r>
-          </a:p>
-          <a:p>
-            <a:endParaRPr lang="es-ES" sz="2000" b="1" dirty="0" smtClean="0"/>
-          </a:p>
-          <a:p>
-            <a:endParaRPr lang="es-ES" sz="2000" b="1" dirty="0"/>
-          </a:p>
-          <a:p>
-            <a:endParaRPr lang="es-ES" sz="2000" b="1" dirty="0" smtClean="0"/>
-          </a:p>
-          <a:p>
-            <a:pPr algn="r"/>
-            <a:r>
-              <a:rPr lang="es-ES" sz="2000" b="1" dirty="0"/>
-              <a:t>p</a:t>
-            </a:r>
-            <a:r>
-              <a:rPr lang="es-ES" sz="2000" b="1" dirty="0" smtClean="0"/>
-              <a:t>or participar !</a:t>
-            </a:r>
-          </a:p>
-          <a:p>
-            <a:endParaRPr lang="es-ES" dirty="0"/>
-          </a:p>
-          <a:p>
-            <a:endParaRPr lang="es-ES" dirty="0" smtClean="0"/>
-          </a:p>
-          <a:p>
-            <a:endParaRPr lang="es-ES" dirty="0"/>
-          </a:p>
-        </p:txBody>
-      </p:sp>
-      <p:pic>
-        <p:nvPicPr>
-          <p:cNvPr id="7170" name="Picture 2"/>
-          <p:cNvPicPr>
-            <a:picLocks noChangeAspect="1" noChangeArrowheads="1"/>
-          </p:cNvPicPr>
-          <p:nvPr/>
-        </p:nvPicPr>
-        <p:blipFill>
-          <a:blip r:embed="rId3">
-            <a:extLst>
-              <a:ext uri="{28A0092B-C50C-407E-A947-70E740481C1C}">
-                <a14:useLocalDpi xmlns:a14="http://schemas.microsoft.com/office/drawing/2010/main" val="0"/>
-              </a:ext>
-            </a:extLst>
-          </a:blip>
-          <a:srcRect/>
-          <a:stretch>
-            <a:fillRect/>
-          </a:stretch>
-        </p:blipFill>
-        <p:spPr bwMode="auto">
-          <a:xfrm>
-            <a:off x="3481388" y="2381250"/>
-            <a:ext cx="2181225" cy="2095500"/>
-          </a:xfrm>
-          <a:prstGeom prst="rect">
-            <a:avLst/>
-          </a:prstGeom>
-          <a:noFill/>
-          <a:ln>
-            <a:noFill/>
-          </a:ln>
-          <a:extLst>
-            <a:ext uri="{909E8E84-426E-40DD-AFC4-6F175D3DCCD1}">
-              <a14:hiddenFill xmlns:a14="http://schemas.microsoft.com/office/drawing/2010/main">
-                <a:solidFill>
-                  <a:schemeClr val="accent1"/>
-                </a:solidFill>
-              </a14:hiddenFill>
-            </a:ext>
-            <a:ext uri="{91240B29-F687-4F45-9708-019B960494DF}">
-              <a14:hiddenLine xmlns:a14="http://schemas.microsoft.com/office/drawing/2010/main" w="9525">
-                <a:solidFill>
-                  <a:schemeClr val="tx1"/>
-                </a:solidFill>
-                <a:miter lim="800000"/>
-                <a:headEnd/>
-                <a:tailEnd/>
-              </a14:hiddenLine>
-            </a:ext>
-          </a:extLst>
-        </p:spPr>
-      </p:pic>
-      <p:sp>
-        <p:nvSpPr>
-          <p:cNvPr id="8" name="7 CuadroTexto"/>
-          <p:cNvSpPr txBox="1"/>
-          <p:nvPr/>
-        </p:nvSpPr>
-        <p:spPr>
-          <a:xfrm>
-            <a:off x="6876256" y="6309320"/>
-            <a:ext cx="1443216" cy="369332"/>
-          </a:xfrm>
-          <a:prstGeom prst="rect">
-            <a:avLst/>
-          </a:prstGeom>
-          <a:noFill/>
-        </p:spPr>
-        <p:txBody>
-          <a:bodyPr wrap="none" rtlCol="0">
-            <a:spAutoFit/>
-          </a:bodyPr>
-          <a:lstStyle/>
-          <a:p>
-            <a:r>
-              <a:rPr lang="es-ES" dirty="0" smtClean="0"/>
-              <a:t>27/04/2016</a:t>
-            </a:r>
-            <a:endParaRPr lang="es-ES" dirty="0"/>
-          </a:p>
-        </p:txBody>
-      </p:sp>
-    </p:spTree>
-    <p:extLst>
-      <p:ext uri="{BB962C8B-B14F-4D97-AF65-F5344CB8AC3E}">
-        <p14:creationId xmlns:p14="http://schemas.microsoft.com/office/powerpoint/2010/main" val="3122300828"/>
+        <p14:creationId xmlns:p14="http://schemas.microsoft.com/office/powerpoint/2010/main" val="228539087"/>
       </p:ext>
     </p:extLst>
   </p:cSld>
